--- a/Minor Project Presentation Template (1).pptx
+++ b/Minor Project Presentation Template (1).pptx
@@ -114,6 +114,22 @@
       </a:defRPr>
     </a:lvl9pPr>
   </p:defaultTextStyle>
+  <p:extLst>
+    <p:ext uri="{EFAFB233-063F-42B5-8137-9DF3F51BA10A}">
+      <p15:sldGuideLst xmlns:p15="http://schemas.microsoft.com/office/powerpoint/2012/main">
+        <p15:guide id="1" orient="horz" pos="2160">
+          <p15:clr>
+            <a:srgbClr val="A4A3A4"/>
+          </p15:clr>
+        </p15:guide>
+        <p15:guide id="2" pos="2880">
+          <p15:clr>
+            <a:srgbClr val="A4A3A4"/>
+          </p15:clr>
+        </p15:guide>
+      </p15:sldGuideLst>
+    </p:ext>
+  </p:extLst>
 </p:presentation>
 </file>
 
@@ -663,7 +679,7 @@
     </p:spTree>
     <p:extLst>
       <p:ext uri="{BB962C8B-B14F-4D97-AF65-F5344CB8AC3E}">
-        <p14:creationId xmlns:p14="http://schemas.microsoft.com/office/powerpoint/2010/main" xmlns="" val="2032416694"/>
+        <p14:creationId xmlns:p14="http://schemas.microsoft.com/office/powerpoint/2010/main" val="2032416694"/>
       </p:ext>
     </p:extLst>
   </p:cSld>
@@ -708,7 +724,7 @@
             <a:fld id="{18DCCD61-643D-44A5-A450-3A42A50CBC1E}" type="datetimeFigureOut">
               <a:rPr lang="en-US" smtClean="0"/>
               <a:pPr/>
-              <a:t>10/30/2023</a:t>
+              <a:t>11/24/2024</a:t>
             </a:fld>
             <a:endParaRPr lang="en-US"/>
           </a:p>
@@ -760,7 +776,7 @@
     </p:spTree>
     <p:extLst>
       <p:ext uri="{BB962C8B-B14F-4D97-AF65-F5344CB8AC3E}">
-        <p14:creationId xmlns:p14="http://schemas.microsoft.com/office/powerpoint/2010/main" xmlns="" val="96291879"/>
+        <p14:creationId xmlns:p14="http://schemas.microsoft.com/office/powerpoint/2010/main" val="96291879"/>
       </p:ext>
     </p:extLst>
   </p:cSld>
@@ -812,10 +828,9 @@
           </a:lstStyle>
           <a:p>
             <a:r>
-              <a:rPr lang="en-US" smtClean="0"/>
+              <a:rPr lang="en-US"/>
               <a:t>Click to edit Master title style</a:t>
             </a:r>
-            <a:endParaRPr lang="en-US"/>
           </a:p>
         </p:txBody>
       </p:sp>
@@ -869,38 +884,37 @@
           <a:p>
             <a:pPr lvl="0"/>
             <a:r>
-              <a:rPr lang="en-US" smtClean="0"/>
+              <a:rPr lang="en-US"/>
               <a:t>Click to edit Master text styles</a:t>
             </a:r>
           </a:p>
           <a:p>
             <a:pPr lvl="1"/>
             <a:r>
-              <a:rPr lang="en-US" smtClean="0"/>
+              <a:rPr lang="en-US"/>
               <a:t>Second level</a:t>
             </a:r>
           </a:p>
           <a:p>
             <a:pPr lvl="2"/>
             <a:r>
-              <a:rPr lang="en-US" smtClean="0"/>
+              <a:rPr lang="en-US"/>
               <a:t>Third level</a:t>
             </a:r>
           </a:p>
           <a:p>
             <a:pPr lvl="3"/>
             <a:r>
-              <a:rPr lang="en-US" smtClean="0"/>
+              <a:rPr lang="en-US"/>
               <a:t>Fourth level</a:t>
             </a:r>
           </a:p>
           <a:p>
             <a:pPr lvl="4"/>
             <a:r>
-              <a:rPr lang="en-US" smtClean="0"/>
+              <a:rPr lang="en-US"/>
               <a:t>Fifth level</a:t>
             </a:r>
-            <a:endParaRPr lang="en-US"/>
           </a:p>
         </p:txBody>
       </p:sp>
@@ -963,7 +977,7 @@
           <a:p>
             <a:pPr lvl="0"/>
             <a:r>
-              <a:rPr lang="en-US" smtClean="0"/>
+              <a:rPr lang="en-US"/>
               <a:t>Click to edit Master text styles</a:t>
             </a:r>
           </a:p>
@@ -987,7 +1001,7 @@
             <a:fld id="{18DCCD61-643D-44A5-A450-3A42A50CBC1E}" type="datetimeFigureOut">
               <a:rPr lang="en-US" smtClean="0"/>
               <a:pPr/>
-              <a:t>10/30/2023</a:t>
+              <a:t>11/24/2024</a:t>
             </a:fld>
             <a:endParaRPr lang="en-US"/>
           </a:p>
@@ -1039,7 +1053,7 @@
     </p:spTree>
     <p:extLst>
       <p:ext uri="{BB962C8B-B14F-4D97-AF65-F5344CB8AC3E}">
-        <p14:creationId xmlns:p14="http://schemas.microsoft.com/office/powerpoint/2010/main" xmlns="" val="129688427"/>
+        <p14:creationId xmlns:p14="http://schemas.microsoft.com/office/powerpoint/2010/main" val="129688427"/>
       </p:ext>
     </p:extLst>
   </p:cSld>
@@ -1091,10 +1105,9 @@
           </a:lstStyle>
           <a:p>
             <a:r>
-              <a:rPr lang="en-US" smtClean="0"/>
+              <a:rPr lang="en-US"/>
               <a:t>Click to edit Master title style</a:t>
             </a:r>
-            <a:endParaRPr lang="en-US"/>
           </a:p>
         </p:txBody>
       </p:sp>
@@ -1218,7 +1231,7 @@
           <a:p>
             <a:pPr lvl="0"/>
             <a:r>
-              <a:rPr lang="en-US" smtClean="0"/>
+              <a:rPr lang="en-US"/>
               <a:t>Click to edit Master text styles</a:t>
             </a:r>
           </a:p>
@@ -1242,7 +1255,7 @@
             <a:fld id="{18DCCD61-643D-44A5-A450-3A42A50CBC1E}" type="datetimeFigureOut">
               <a:rPr lang="en-US" smtClean="0"/>
               <a:pPr/>
-              <a:t>10/30/2023</a:t>
+              <a:t>11/24/2024</a:t>
             </a:fld>
             <a:endParaRPr lang="en-US"/>
           </a:p>
@@ -1294,7 +1307,7 @@
     </p:spTree>
     <p:extLst>
       <p:ext uri="{BB962C8B-B14F-4D97-AF65-F5344CB8AC3E}">
-        <p14:creationId xmlns:p14="http://schemas.microsoft.com/office/powerpoint/2010/main" xmlns="" val="2987035001"/>
+        <p14:creationId xmlns:p14="http://schemas.microsoft.com/office/powerpoint/2010/main" val="2987035001"/>
       </p:ext>
     </p:extLst>
   </p:cSld>
@@ -1337,10 +1350,9 @@
           <a:lstStyle/>
           <a:p>
             <a:r>
-              <a:rPr lang="en-US" smtClean="0"/>
+              <a:rPr lang="en-US"/>
               <a:t>Click to edit Master title style</a:t>
             </a:r>
-            <a:endParaRPr lang="en-US"/>
           </a:p>
         </p:txBody>
       </p:sp>
@@ -1361,38 +1373,37 @@
           <a:p>
             <a:pPr lvl="0"/>
             <a:r>
-              <a:rPr lang="en-US" smtClean="0"/>
+              <a:rPr lang="en-US"/>
               <a:t>Click to edit Master text styles</a:t>
             </a:r>
           </a:p>
           <a:p>
             <a:pPr lvl="1"/>
             <a:r>
-              <a:rPr lang="en-US" smtClean="0"/>
+              <a:rPr lang="en-US"/>
               <a:t>Second level</a:t>
             </a:r>
           </a:p>
           <a:p>
             <a:pPr lvl="2"/>
             <a:r>
-              <a:rPr lang="en-US" smtClean="0"/>
+              <a:rPr lang="en-US"/>
               <a:t>Third level</a:t>
             </a:r>
           </a:p>
           <a:p>
             <a:pPr lvl="3"/>
             <a:r>
-              <a:rPr lang="en-US" smtClean="0"/>
+              <a:rPr lang="en-US"/>
               <a:t>Fourth level</a:t>
             </a:r>
           </a:p>
           <a:p>
             <a:pPr lvl="4"/>
             <a:r>
-              <a:rPr lang="en-US" smtClean="0"/>
+              <a:rPr lang="en-US"/>
               <a:t>Fifth level</a:t>
             </a:r>
-            <a:endParaRPr lang="en-US"/>
           </a:p>
         </p:txBody>
       </p:sp>
@@ -1414,7 +1425,7 @@
             <a:fld id="{18DCCD61-643D-44A5-A450-3A42A50CBC1E}" type="datetimeFigureOut">
               <a:rPr lang="en-US" smtClean="0"/>
               <a:pPr/>
-              <a:t>10/30/2023</a:t>
+              <a:t>11/24/2024</a:t>
             </a:fld>
             <a:endParaRPr lang="en-US"/>
           </a:p>
@@ -1466,7 +1477,7 @@
     </p:spTree>
     <p:extLst>
       <p:ext uri="{BB962C8B-B14F-4D97-AF65-F5344CB8AC3E}">
-        <p14:creationId xmlns:p14="http://schemas.microsoft.com/office/powerpoint/2010/main" xmlns="" val="179237461"/>
+        <p14:creationId xmlns:p14="http://schemas.microsoft.com/office/powerpoint/2010/main" val="179237461"/>
       </p:ext>
     </p:extLst>
   </p:cSld>
@@ -1514,10 +1525,9 @@
           <a:lstStyle/>
           <a:p>
             <a:r>
-              <a:rPr lang="en-US" smtClean="0"/>
+              <a:rPr lang="en-US"/>
               <a:t>Click to edit Master title style</a:t>
             </a:r>
-            <a:endParaRPr lang="en-US"/>
           </a:p>
         </p:txBody>
       </p:sp>
@@ -1543,38 +1553,37 @@
           <a:p>
             <a:pPr lvl="0"/>
             <a:r>
-              <a:rPr lang="en-US" smtClean="0"/>
+              <a:rPr lang="en-US"/>
               <a:t>Click to edit Master text styles</a:t>
             </a:r>
           </a:p>
           <a:p>
             <a:pPr lvl="1"/>
             <a:r>
-              <a:rPr lang="en-US" smtClean="0"/>
+              <a:rPr lang="en-US"/>
               <a:t>Second level</a:t>
             </a:r>
           </a:p>
           <a:p>
             <a:pPr lvl="2"/>
             <a:r>
-              <a:rPr lang="en-US" smtClean="0"/>
+              <a:rPr lang="en-US"/>
               <a:t>Third level</a:t>
             </a:r>
           </a:p>
           <a:p>
             <a:pPr lvl="3"/>
             <a:r>
-              <a:rPr lang="en-US" smtClean="0"/>
+              <a:rPr lang="en-US"/>
               <a:t>Fourth level</a:t>
             </a:r>
           </a:p>
           <a:p>
             <a:pPr lvl="4"/>
             <a:r>
-              <a:rPr lang="en-US" smtClean="0"/>
+              <a:rPr lang="en-US"/>
               <a:t>Fifth level</a:t>
             </a:r>
-            <a:endParaRPr lang="en-US"/>
           </a:p>
         </p:txBody>
       </p:sp>
@@ -1596,7 +1605,7 @@
             <a:fld id="{18DCCD61-643D-44A5-A450-3A42A50CBC1E}" type="datetimeFigureOut">
               <a:rPr lang="en-US" smtClean="0"/>
               <a:pPr/>
-              <a:t>10/30/2023</a:t>
+              <a:t>11/24/2024</a:t>
             </a:fld>
             <a:endParaRPr lang="en-US"/>
           </a:p>
@@ -1648,7 +1657,7 @@
     </p:spTree>
     <p:extLst>
       <p:ext uri="{BB962C8B-B14F-4D97-AF65-F5344CB8AC3E}">
-        <p14:creationId xmlns:p14="http://schemas.microsoft.com/office/powerpoint/2010/main" xmlns="" val="3962857223"/>
+        <p14:creationId xmlns:p14="http://schemas.microsoft.com/office/powerpoint/2010/main" val="3962857223"/>
       </p:ext>
     </p:extLst>
   </p:cSld>
@@ -1726,7 +1735,7 @@
           </a:lstStyle>
           <a:p>
             <a:r>
-              <a:rPr lang="en-US" altLang="ko-KR" dirty="0" smtClean="0"/>
+              <a:rPr lang="en-US" altLang="ko-KR" dirty="0"/>
               <a:t> Click to add title</a:t>
             </a:r>
             <a:endParaRPr lang="ko-KR" altLang="en-US" dirty="0"/>
@@ -1770,7 +1779,7 @@
           <a:p>
             <a:pPr lvl="0"/>
             <a:r>
-              <a:rPr lang="en-US" altLang="ko-KR" dirty="0" smtClean="0"/>
+              <a:rPr lang="en-US" altLang="ko-KR" dirty="0"/>
               <a:t>Click to edit Master text styles</a:t>
             </a:r>
           </a:p>
@@ -1813,7 +1822,7 @@
           <a:p>
             <a:pPr lvl="0"/>
             <a:r>
-              <a:rPr lang="en-US" altLang="ko-KR" dirty="0" smtClean="0"/>
+              <a:rPr lang="en-US" altLang="ko-KR" dirty="0"/>
               <a:t>Click to edit Master text styles</a:t>
             </a:r>
           </a:p>
@@ -1822,7 +1831,7 @@
     </p:spTree>
     <p:extLst>
       <p:ext uri="{BB962C8B-B14F-4D97-AF65-F5344CB8AC3E}">
-        <p14:creationId xmlns:p14="http://schemas.microsoft.com/office/powerpoint/2010/main" xmlns="" val="3694015714"/>
+        <p14:creationId xmlns:p14="http://schemas.microsoft.com/office/powerpoint/2010/main" val="3694015714"/>
       </p:ext>
     </p:extLst>
   </p:cSld>
@@ -1900,7 +1909,7 @@
           </a:lstStyle>
           <a:p>
             <a:r>
-              <a:rPr lang="en-US" altLang="ko-KR" dirty="0" smtClean="0"/>
+              <a:rPr lang="en-US" altLang="ko-KR" dirty="0"/>
               <a:t> Click to add title</a:t>
             </a:r>
             <a:endParaRPr lang="ko-KR" altLang="en-US" dirty="0"/>
@@ -1944,7 +1953,7 @@
           <a:p>
             <a:pPr lvl="0"/>
             <a:r>
-              <a:rPr lang="en-US" altLang="ko-KR" dirty="0" smtClean="0"/>
+              <a:rPr lang="en-US" altLang="ko-KR" dirty="0"/>
               <a:t>Click to edit Master text styles</a:t>
             </a:r>
           </a:p>
@@ -1987,7 +1996,7 @@
           <a:p>
             <a:pPr lvl="0"/>
             <a:r>
-              <a:rPr lang="en-US" altLang="ko-KR" dirty="0" smtClean="0"/>
+              <a:rPr lang="en-US" altLang="ko-KR" dirty="0"/>
               <a:t>Click to edit Master text styles</a:t>
             </a:r>
           </a:p>
@@ -1996,7 +2005,7 @@
     </p:spTree>
     <p:extLst>
       <p:ext uri="{BB962C8B-B14F-4D97-AF65-F5344CB8AC3E}">
-        <p14:creationId xmlns:p14="http://schemas.microsoft.com/office/powerpoint/2010/main" xmlns="" val="2326818522"/>
+        <p14:creationId xmlns:p14="http://schemas.microsoft.com/office/powerpoint/2010/main" val="2326818522"/>
       </p:ext>
     </p:extLst>
   </p:cSld>
@@ -2044,10 +2053,9 @@
           <a:lstStyle/>
           <a:p>
             <a:r>
-              <a:rPr lang="en-US" smtClean="0"/>
+              <a:rPr lang="en-US"/>
               <a:t>Click to edit Master title style</a:t>
             </a:r>
-            <a:endParaRPr lang="en-US"/>
           </a:p>
         </p:txBody>
       </p:sp>
@@ -2163,10 +2171,9 @@
           </a:lstStyle>
           <a:p>
             <a:r>
-              <a:rPr lang="en-US" smtClean="0"/>
+              <a:rPr lang="en-US"/>
               <a:t>Click to edit Master subtitle style</a:t>
             </a:r>
-            <a:endParaRPr lang="en-US"/>
           </a:p>
         </p:txBody>
       </p:sp>
@@ -2188,7 +2195,7 @@
             <a:fld id="{18DCCD61-643D-44A5-A450-3A42A50CBC1E}" type="datetimeFigureOut">
               <a:rPr lang="en-US" smtClean="0"/>
               <a:pPr/>
-              <a:t>10/30/2023</a:t>
+              <a:t>11/24/2024</a:t>
             </a:fld>
             <a:endParaRPr lang="en-US"/>
           </a:p>
@@ -2240,7 +2247,7 @@
     </p:spTree>
     <p:extLst>
       <p:ext uri="{BB962C8B-B14F-4D97-AF65-F5344CB8AC3E}">
-        <p14:creationId xmlns:p14="http://schemas.microsoft.com/office/powerpoint/2010/main" xmlns="" val="1656086933"/>
+        <p14:creationId xmlns:p14="http://schemas.microsoft.com/office/powerpoint/2010/main" val="1656086933"/>
       </p:ext>
     </p:extLst>
   </p:cSld>
@@ -2283,10 +2290,9 @@
           <a:lstStyle/>
           <a:p>
             <a:r>
-              <a:rPr lang="en-US" smtClean="0"/>
+              <a:rPr lang="en-US"/>
               <a:t>Click to edit Master title style</a:t>
             </a:r>
-            <a:endParaRPr lang="en-US"/>
           </a:p>
         </p:txBody>
       </p:sp>
@@ -2307,38 +2313,37 @@
           <a:p>
             <a:pPr lvl="0"/>
             <a:r>
-              <a:rPr lang="en-US" smtClean="0"/>
+              <a:rPr lang="en-US"/>
               <a:t>Click to edit Master text styles</a:t>
             </a:r>
           </a:p>
           <a:p>
             <a:pPr lvl="1"/>
             <a:r>
-              <a:rPr lang="en-US" smtClean="0"/>
+              <a:rPr lang="en-US"/>
               <a:t>Second level</a:t>
             </a:r>
           </a:p>
           <a:p>
             <a:pPr lvl="2"/>
             <a:r>
-              <a:rPr lang="en-US" smtClean="0"/>
+              <a:rPr lang="en-US"/>
               <a:t>Third level</a:t>
             </a:r>
           </a:p>
           <a:p>
             <a:pPr lvl="3"/>
             <a:r>
-              <a:rPr lang="en-US" smtClean="0"/>
+              <a:rPr lang="en-US"/>
               <a:t>Fourth level</a:t>
             </a:r>
           </a:p>
           <a:p>
             <a:pPr lvl="4"/>
             <a:r>
-              <a:rPr lang="en-US" smtClean="0"/>
+              <a:rPr lang="en-US"/>
               <a:t>Fifth level</a:t>
             </a:r>
-            <a:endParaRPr lang="en-US"/>
           </a:p>
         </p:txBody>
       </p:sp>
@@ -2360,7 +2365,7 @@
             <a:fld id="{18DCCD61-643D-44A5-A450-3A42A50CBC1E}" type="datetimeFigureOut">
               <a:rPr lang="en-US" smtClean="0"/>
               <a:pPr/>
-              <a:t>10/30/2023</a:t>
+              <a:t>11/24/2024</a:t>
             </a:fld>
             <a:endParaRPr lang="en-US"/>
           </a:p>
@@ -2412,7 +2417,7 @@
     </p:spTree>
     <p:extLst>
       <p:ext uri="{BB962C8B-B14F-4D97-AF65-F5344CB8AC3E}">
-        <p14:creationId xmlns:p14="http://schemas.microsoft.com/office/powerpoint/2010/main" xmlns="" val="924286651"/>
+        <p14:creationId xmlns:p14="http://schemas.microsoft.com/office/powerpoint/2010/main" val="924286651"/>
       </p:ext>
     </p:extLst>
   </p:cSld>
@@ -2464,10 +2469,9 @@
           </a:lstStyle>
           <a:p>
             <a:r>
-              <a:rPr lang="en-US" smtClean="0"/>
+              <a:rPr lang="en-US"/>
               <a:t>Click to edit Master title style</a:t>
             </a:r>
-            <a:endParaRPr lang="en-US"/>
           </a:p>
         </p:txBody>
       </p:sp>
@@ -2584,7 +2588,7 @@
           <a:p>
             <a:pPr lvl="0"/>
             <a:r>
-              <a:rPr lang="en-US" smtClean="0"/>
+              <a:rPr lang="en-US"/>
               <a:t>Click to edit Master text styles</a:t>
             </a:r>
           </a:p>
@@ -2608,7 +2612,7 @@
             <a:fld id="{18DCCD61-643D-44A5-A450-3A42A50CBC1E}" type="datetimeFigureOut">
               <a:rPr lang="en-US" smtClean="0"/>
               <a:pPr/>
-              <a:t>10/30/2023</a:t>
+              <a:t>11/24/2024</a:t>
             </a:fld>
             <a:endParaRPr lang="en-US"/>
           </a:p>
@@ -2660,7 +2664,7 @@
     </p:spTree>
     <p:extLst>
       <p:ext uri="{BB962C8B-B14F-4D97-AF65-F5344CB8AC3E}">
-        <p14:creationId xmlns:p14="http://schemas.microsoft.com/office/powerpoint/2010/main" xmlns="" val="3277933221"/>
+        <p14:creationId xmlns:p14="http://schemas.microsoft.com/office/powerpoint/2010/main" val="3277933221"/>
       </p:ext>
     </p:extLst>
   </p:cSld>
@@ -2703,10 +2707,9 @@
           <a:lstStyle/>
           <a:p>
             <a:r>
-              <a:rPr lang="en-US" smtClean="0"/>
+              <a:rPr lang="en-US"/>
               <a:t>Click to edit Master title style</a:t>
             </a:r>
-            <a:endParaRPr lang="en-US"/>
           </a:p>
         </p:txBody>
       </p:sp>
@@ -2760,38 +2763,37 @@
           <a:p>
             <a:pPr lvl="0"/>
             <a:r>
-              <a:rPr lang="en-US" smtClean="0"/>
+              <a:rPr lang="en-US"/>
               <a:t>Click to edit Master text styles</a:t>
             </a:r>
           </a:p>
           <a:p>
             <a:pPr lvl="1"/>
             <a:r>
-              <a:rPr lang="en-US" smtClean="0"/>
+              <a:rPr lang="en-US"/>
               <a:t>Second level</a:t>
             </a:r>
           </a:p>
           <a:p>
             <a:pPr lvl="2"/>
             <a:r>
-              <a:rPr lang="en-US" smtClean="0"/>
+              <a:rPr lang="en-US"/>
               <a:t>Third level</a:t>
             </a:r>
           </a:p>
           <a:p>
             <a:pPr lvl="3"/>
             <a:r>
-              <a:rPr lang="en-US" smtClean="0"/>
+              <a:rPr lang="en-US"/>
               <a:t>Fourth level</a:t>
             </a:r>
           </a:p>
           <a:p>
             <a:pPr lvl="4"/>
             <a:r>
-              <a:rPr lang="en-US" smtClean="0"/>
+              <a:rPr lang="en-US"/>
               <a:t>Fifth level</a:t>
             </a:r>
-            <a:endParaRPr lang="en-US"/>
           </a:p>
         </p:txBody>
       </p:sp>
@@ -2845,38 +2847,37 @@
           <a:p>
             <a:pPr lvl="0"/>
             <a:r>
-              <a:rPr lang="en-US" smtClean="0"/>
+              <a:rPr lang="en-US"/>
               <a:t>Click to edit Master text styles</a:t>
             </a:r>
           </a:p>
           <a:p>
             <a:pPr lvl="1"/>
             <a:r>
-              <a:rPr lang="en-US" smtClean="0"/>
+              <a:rPr lang="en-US"/>
               <a:t>Second level</a:t>
             </a:r>
           </a:p>
           <a:p>
             <a:pPr lvl="2"/>
             <a:r>
-              <a:rPr lang="en-US" smtClean="0"/>
+              <a:rPr lang="en-US"/>
               <a:t>Third level</a:t>
             </a:r>
           </a:p>
           <a:p>
             <a:pPr lvl="3"/>
             <a:r>
-              <a:rPr lang="en-US" smtClean="0"/>
+              <a:rPr lang="en-US"/>
               <a:t>Fourth level</a:t>
             </a:r>
           </a:p>
           <a:p>
             <a:pPr lvl="4"/>
             <a:r>
-              <a:rPr lang="en-US" smtClean="0"/>
+              <a:rPr lang="en-US"/>
               <a:t>Fifth level</a:t>
             </a:r>
-            <a:endParaRPr lang="en-US"/>
           </a:p>
         </p:txBody>
       </p:sp>
@@ -2898,7 +2899,7 @@
             <a:fld id="{18DCCD61-643D-44A5-A450-3A42A50CBC1E}" type="datetimeFigureOut">
               <a:rPr lang="en-US" smtClean="0"/>
               <a:pPr/>
-              <a:t>10/30/2023</a:t>
+              <a:t>11/24/2024</a:t>
             </a:fld>
             <a:endParaRPr lang="en-US"/>
           </a:p>
@@ -2950,7 +2951,7 @@
     </p:spTree>
     <p:extLst>
       <p:ext uri="{BB962C8B-B14F-4D97-AF65-F5344CB8AC3E}">
-        <p14:creationId xmlns:p14="http://schemas.microsoft.com/office/powerpoint/2010/main" xmlns="" val="778790462"/>
+        <p14:creationId xmlns:p14="http://schemas.microsoft.com/office/powerpoint/2010/main" val="778790462"/>
       </p:ext>
     </p:extLst>
   </p:cSld>
@@ -2997,10 +2998,9 @@
           </a:lstStyle>
           <a:p>
             <a:r>
-              <a:rPr lang="en-US" smtClean="0"/>
+              <a:rPr lang="en-US"/>
               <a:t>Click to edit Master title style</a:t>
             </a:r>
-            <a:endParaRPr lang="en-US"/>
           </a:p>
         </p:txBody>
       </p:sp>
@@ -3063,7 +3063,7 @@
           <a:p>
             <a:pPr lvl="0"/>
             <a:r>
-              <a:rPr lang="en-US" smtClean="0"/>
+              <a:rPr lang="en-US"/>
               <a:t>Click to edit Master text styles</a:t>
             </a:r>
           </a:p>
@@ -3119,38 +3119,37 @@
           <a:p>
             <a:pPr lvl="0"/>
             <a:r>
-              <a:rPr lang="en-US" smtClean="0"/>
+              <a:rPr lang="en-US"/>
               <a:t>Click to edit Master text styles</a:t>
             </a:r>
           </a:p>
           <a:p>
             <a:pPr lvl="1"/>
             <a:r>
-              <a:rPr lang="en-US" smtClean="0"/>
+              <a:rPr lang="en-US"/>
               <a:t>Second level</a:t>
             </a:r>
           </a:p>
           <a:p>
             <a:pPr lvl="2"/>
             <a:r>
-              <a:rPr lang="en-US" smtClean="0"/>
+              <a:rPr lang="en-US"/>
               <a:t>Third level</a:t>
             </a:r>
           </a:p>
           <a:p>
             <a:pPr lvl="3"/>
             <a:r>
-              <a:rPr lang="en-US" smtClean="0"/>
+              <a:rPr lang="en-US"/>
               <a:t>Fourth level</a:t>
             </a:r>
           </a:p>
           <a:p>
             <a:pPr lvl="4"/>
             <a:r>
-              <a:rPr lang="en-US" smtClean="0"/>
+              <a:rPr lang="en-US"/>
               <a:t>Fifth level</a:t>
             </a:r>
-            <a:endParaRPr lang="en-US"/>
           </a:p>
         </p:txBody>
       </p:sp>
@@ -3213,7 +3212,7 @@
           <a:p>
             <a:pPr lvl="0"/>
             <a:r>
-              <a:rPr lang="en-US" smtClean="0"/>
+              <a:rPr lang="en-US"/>
               <a:t>Click to edit Master text styles</a:t>
             </a:r>
           </a:p>
@@ -3269,38 +3268,37 @@
           <a:p>
             <a:pPr lvl="0"/>
             <a:r>
-              <a:rPr lang="en-US" smtClean="0"/>
+              <a:rPr lang="en-US"/>
               <a:t>Click to edit Master text styles</a:t>
             </a:r>
           </a:p>
           <a:p>
             <a:pPr lvl="1"/>
             <a:r>
-              <a:rPr lang="en-US" smtClean="0"/>
+              <a:rPr lang="en-US"/>
               <a:t>Second level</a:t>
             </a:r>
           </a:p>
           <a:p>
             <a:pPr lvl="2"/>
             <a:r>
-              <a:rPr lang="en-US" smtClean="0"/>
+              <a:rPr lang="en-US"/>
               <a:t>Third level</a:t>
             </a:r>
           </a:p>
           <a:p>
             <a:pPr lvl="3"/>
             <a:r>
-              <a:rPr lang="en-US" smtClean="0"/>
+              <a:rPr lang="en-US"/>
               <a:t>Fourth level</a:t>
             </a:r>
           </a:p>
           <a:p>
             <a:pPr lvl="4"/>
             <a:r>
-              <a:rPr lang="en-US" smtClean="0"/>
+              <a:rPr lang="en-US"/>
               <a:t>Fifth level</a:t>
             </a:r>
-            <a:endParaRPr lang="en-US"/>
           </a:p>
         </p:txBody>
       </p:sp>
@@ -3322,7 +3320,7 @@
             <a:fld id="{18DCCD61-643D-44A5-A450-3A42A50CBC1E}" type="datetimeFigureOut">
               <a:rPr lang="en-US" smtClean="0"/>
               <a:pPr/>
-              <a:t>10/30/2023</a:t>
+              <a:t>11/24/2024</a:t>
             </a:fld>
             <a:endParaRPr lang="en-US"/>
           </a:p>
@@ -3374,7 +3372,7 @@
     </p:spTree>
     <p:extLst>
       <p:ext uri="{BB962C8B-B14F-4D97-AF65-F5344CB8AC3E}">
-        <p14:creationId xmlns:p14="http://schemas.microsoft.com/office/powerpoint/2010/main" xmlns="" val="2919811487"/>
+        <p14:creationId xmlns:p14="http://schemas.microsoft.com/office/powerpoint/2010/main" val="2919811487"/>
       </p:ext>
     </p:extLst>
   </p:cSld>
@@ -3417,10 +3415,9 @@
           <a:lstStyle/>
           <a:p>
             <a:r>
-              <a:rPr lang="en-US" smtClean="0"/>
+              <a:rPr lang="en-US"/>
               <a:t>Click to edit Master title style</a:t>
             </a:r>
-            <a:endParaRPr lang="en-US"/>
           </a:p>
         </p:txBody>
       </p:sp>
@@ -3442,7 +3439,7 @@
             <a:fld id="{18DCCD61-643D-44A5-A450-3A42A50CBC1E}" type="datetimeFigureOut">
               <a:rPr lang="en-US" smtClean="0"/>
               <a:pPr/>
-              <a:t>10/30/2023</a:t>
+              <a:t>11/24/2024</a:t>
             </a:fld>
             <a:endParaRPr lang="en-US"/>
           </a:p>
@@ -3494,7 +3491,7 @@
     </p:spTree>
     <p:extLst>
       <p:ext uri="{BB962C8B-B14F-4D97-AF65-F5344CB8AC3E}">
-        <p14:creationId xmlns:p14="http://schemas.microsoft.com/office/powerpoint/2010/main" xmlns="" val="1818119873"/>
+        <p14:creationId xmlns:p14="http://schemas.microsoft.com/office/powerpoint/2010/main" val="1818119873"/>
       </p:ext>
     </p:extLst>
   </p:cSld>
@@ -3532,7 +3529,7 @@
     </p:spTree>
     <p:extLst>
       <p:ext uri="{BB962C8B-B14F-4D97-AF65-F5344CB8AC3E}">
-        <p14:creationId xmlns:p14="http://schemas.microsoft.com/office/powerpoint/2010/main" xmlns="" val="437338208"/>
+        <p14:creationId xmlns:p14="http://schemas.microsoft.com/office/powerpoint/2010/main" val="437338208"/>
       </p:ext>
     </p:extLst>
   </p:cSld>
@@ -3843,10 +3840,9 @@
           <a:lstStyle/>
           <a:p>
             <a:r>
-              <a:rPr lang="en-US" smtClean="0"/>
+              <a:rPr lang="en-US"/>
               <a:t>Click to edit Master title style</a:t>
             </a:r>
-            <a:endParaRPr lang="en-US"/>
           </a:p>
         </p:txBody>
       </p:sp>
@@ -3877,38 +3873,37 @@
           <a:p>
             <a:pPr lvl="0"/>
             <a:r>
-              <a:rPr lang="en-US" smtClean="0"/>
+              <a:rPr lang="en-US"/>
               <a:t>Click to edit Master text styles</a:t>
             </a:r>
           </a:p>
           <a:p>
             <a:pPr lvl="1"/>
             <a:r>
-              <a:rPr lang="en-US" smtClean="0"/>
+              <a:rPr lang="en-US"/>
               <a:t>Second level</a:t>
             </a:r>
           </a:p>
           <a:p>
             <a:pPr lvl="2"/>
             <a:r>
-              <a:rPr lang="en-US" smtClean="0"/>
+              <a:rPr lang="en-US"/>
               <a:t>Third level</a:t>
             </a:r>
           </a:p>
           <a:p>
             <a:pPr lvl="3"/>
             <a:r>
-              <a:rPr lang="en-US" smtClean="0"/>
+              <a:rPr lang="en-US"/>
               <a:t>Fourth level</a:t>
             </a:r>
           </a:p>
           <a:p>
             <a:pPr lvl="4"/>
             <a:r>
-              <a:rPr lang="en-US" smtClean="0"/>
+              <a:rPr lang="en-US"/>
               <a:t>Fifth level</a:t>
             </a:r>
-            <a:endParaRPr lang="en-US"/>
           </a:p>
         </p:txBody>
       </p:sp>
@@ -3948,7 +3943,7 @@
             <a:fld id="{18DCCD61-643D-44A5-A450-3A42A50CBC1E}" type="datetimeFigureOut">
               <a:rPr lang="en-US" smtClean="0"/>
               <a:pPr/>
-              <a:t>10/30/2023</a:t>
+              <a:t>11/24/2024</a:t>
             </a:fld>
             <a:endParaRPr lang="en-US"/>
           </a:p>
@@ -4036,7 +4031,7 @@
     </p:spTree>
     <p:extLst>
       <p:ext uri="{BB962C8B-B14F-4D97-AF65-F5344CB8AC3E}">
-        <p14:creationId xmlns:p14="http://schemas.microsoft.com/office/powerpoint/2010/main" xmlns="" val="3286357357"/>
+        <p14:creationId xmlns:p14="http://schemas.microsoft.com/office/powerpoint/2010/main" val="3286357357"/>
       </p:ext>
     </p:extLst>
   </p:cSld>
@@ -4364,7 +4359,7 @@
               <a:defRPr/>
             </a:pPr>
             <a:r>
-              <a:rPr lang="en-US" altLang="ko-KR" sz="2400" b="1" spc="50" dirty="0" smtClean="0">
+              <a:rPr kumimoji="0" lang="en-US" altLang="ko-KR" sz="2400" b="1" spc="50" dirty="0">
                 <a:ln w="11430"/>
                 <a:effectLst>
                   <a:outerShdw blurRad="76200" dist="50800" dir="5400000" algn="tl" rotWithShape="0">
@@ -4373,23 +4368,10 @@
                     </a:srgbClr>
                   </a:outerShdw>
                 </a:effectLst>
-                <a:latin typeface="Arial" pitchFamily="34" charset="0"/>
                 <a:cs typeface="Arial" pitchFamily="34" charset="0"/>
               </a:rPr>
-              <a:t>Project’s Title Name</a:t>
-            </a:r>
-            <a:endParaRPr kumimoji="0" lang="en-US" altLang="ko-KR" sz="2400" b="1" spc="50" dirty="0">
-              <a:ln w="11430"/>
-              <a:effectLst>
-                <a:outerShdw blurRad="76200" dist="50800" dir="5400000" algn="tl" rotWithShape="0">
-                  <a:srgbClr val="000000">
-                    <a:alpha val="65000"/>
-                  </a:srgbClr>
-                </a:outerShdw>
-              </a:effectLst>
-              <a:latin typeface="Arial" pitchFamily="34" charset="0"/>
-              <a:cs typeface="Arial" pitchFamily="34" charset="0"/>
-            </a:endParaRPr>
+              <a:t>Crop Yield Prediction</a:t>
+            </a:r>
           </a:p>
         </p:txBody>
       </p:sp>
@@ -4425,21 +4407,21 @@
           <a:p>
             <a:pPr algn="ctr"/>
             <a:r>
-              <a:rPr lang="en-US" sz="2400" b="1" dirty="0" err="1" smtClean="0"/>
+              <a:rPr lang="en-US" sz="2400" b="1" dirty="0" err="1"/>
               <a:t>Truba</a:t>
             </a:r>
             <a:r>
-              <a:rPr lang="en-US" sz="2400" b="1" dirty="0" smtClean="0"/>
+              <a:rPr lang="en-US" sz="2400" b="1" dirty="0"/>
               <a:t> Institute of Engineering &amp; Information </a:t>
             </a:r>
           </a:p>
           <a:p>
             <a:pPr algn="ctr"/>
             <a:r>
-              <a:rPr lang="en-US" sz="2400" b="1" dirty="0" smtClean="0"/>
+              <a:rPr lang="en-US" sz="2400" b="1" dirty="0"/>
               <a:t>Technology, Bhopal</a:t>
             </a:r>
-            <a:endParaRPr lang="en-US" altLang="ko-KR" sz="2400" b="1" dirty="0" smtClean="0">
+            <a:endParaRPr lang="en-US" altLang="ko-KR" sz="2400" b="1" dirty="0">
               <a:solidFill>
                 <a:schemeClr val="tx1">
                   <a:lumMod val="75000"/>
@@ -4485,7 +4467,7 @@
               <a:defRPr/>
             </a:pPr>
             <a:r>
-              <a:rPr lang="en-US" altLang="ko-KR" sz="1200" b="1" dirty="0" smtClean="0">
+              <a:rPr lang="en-US" altLang="ko-KR" sz="1200" b="1" dirty="0">
                 <a:solidFill>
                   <a:schemeClr val="tx1">
                     <a:lumMod val="75000"/>
@@ -4534,7 +4516,7 @@
           <a:p>
             <a:pPr algn="ctr"/>
             <a:r>
-              <a:rPr lang="en-US" altLang="ko-KR" sz="1600" dirty="0" smtClean="0">
+              <a:rPr lang="en-US" altLang="ko-KR" sz="1600" dirty="0">
                 <a:latin typeface="Arial" pitchFamily="34" charset="0"/>
                 <a:cs typeface="Arial" pitchFamily="34" charset="0"/>
               </a:rPr>
@@ -4721,7 +4703,7 @@
         </p:nvSpPr>
         <p:spPr>
           <a:xfrm>
-            <a:off x="381000" y="5257800"/>
+            <a:off x="364332" y="4718347"/>
             <a:ext cx="1981200" cy="923330"/>
           </a:xfrm>
           <a:prstGeom prst="rect">
@@ -4737,24 +4719,28 @@
           <a:p>
             <a:pPr algn="ctr"/>
             <a:r>
-              <a:rPr lang="en-US" b="1" dirty="0" smtClean="0"/>
+              <a:rPr lang="en-US" b="1" dirty="0"/>
               <a:t>Guided By</a:t>
             </a:r>
           </a:p>
           <a:p>
             <a:pPr algn="ctr"/>
             <a:r>
-              <a:rPr lang="en-US" b="1" dirty="0" smtClean="0"/>
-              <a:t>Guide Name</a:t>
-            </a:r>
+              <a:rPr lang="en-US" b="1" dirty="0"/>
+              <a:t>Geeta </a:t>
+            </a:r>
+            <a:r>
+              <a:rPr lang="en-US" b="1" dirty="0" err="1"/>
+              <a:t>Guwalani</a:t>
+            </a:r>
+            <a:endParaRPr lang="en-US" b="1" dirty="0"/>
           </a:p>
           <a:p>
             <a:pPr algn="ctr"/>
             <a:r>
-              <a:rPr lang="en-US" b="1" dirty="0" smtClean="0"/>
-              <a:t>Dept. Name</a:t>
-            </a:r>
-            <a:endParaRPr lang="en-US" b="1" dirty="0"/>
+              <a:rPr lang="en-US" b="1" dirty="0"/>
+              <a:t>CSE</a:t>
+            </a:r>
           </a:p>
         </p:txBody>
       </p:sp>
@@ -4766,8 +4752,8 @@
         </p:nvSpPr>
         <p:spPr>
           <a:xfrm>
-            <a:off x="6096000" y="5248870"/>
-            <a:ext cx="2438400" cy="923330"/>
+            <a:off x="6009247" y="4311721"/>
+            <a:ext cx="2895600" cy="2031325"/>
           </a:xfrm>
           <a:prstGeom prst="rect">
             <a:avLst/>
@@ -4782,22 +4768,50 @@
           <a:p>
             <a:pPr algn="ctr"/>
             <a:r>
-              <a:rPr lang="en-US" b="1" dirty="0" smtClean="0"/>
+              <a:rPr lang="en-US" b="1" dirty="0"/>
               <a:t>Presented By</a:t>
             </a:r>
           </a:p>
           <a:p>
             <a:pPr algn="ctr"/>
             <a:r>
-              <a:rPr lang="en-US" b="1" dirty="0" smtClean="0"/>
-              <a:t>Member’s Name</a:t>
+              <a:rPr lang="en-US" dirty="0"/>
+              <a:t>Suman Kumar Saurabh</a:t>
             </a:r>
           </a:p>
           <a:p>
             <a:pPr algn="ctr"/>
             <a:r>
-              <a:rPr lang="en-US" b="1" dirty="0" smtClean="0"/>
-              <a:t>With Enrollment No.</a:t>
+              <a:rPr lang="en-US" dirty="0"/>
+              <a:t>0114AD233D09</a:t>
+            </a:r>
+          </a:p>
+          <a:p>
+            <a:pPr algn="ctr"/>
+            <a:r>
+              <a:rPr lang="en-US" dirty="0"/>
+              <a:t>Lalit Kumar</a:t>
+            </a:r>
+          </a:p>
+          <a:p>
+            <a:pPr algn="ctr"/>
+            <a:r>
+              <a:rPr lang="en-US" dirty="0"/>
+              <a:t>0114AD233D05</a:t>
+            </a:r>
+          </a:p>
+          <a:p>
+            <a:pPr algn="ctr"/>
+            <a:r>
+              <a:rPr lang="en-US" dirty="0"/>
+              <a:t>Rahul Kumar</a:t>
+            </a:r>
+          </a:p>
+          <a:p>
+            <a:pPr algn="ctr"/>
+            <a:r>
+              <a:rPr lang="en-US" dirty="0"/>
+              <a:t>0114AD233D07</a:t>
             </a:r>
           </a:p>
         </p:txBody>
@@ -4805,20 +4819,13 @@
     </p:spTree>
     <p:extLst>
       <p:ext uri="{BB962C8B-B14F-4D97-AF65-F5344CB8AC3E}">
-        <p14:creationId xmlns:p14="http://schemas.microsoft.com/office/powerpoint/2010/main" xmlns="" val="1941221791"/>
+        <p14:creationId xmlns:p14="http://schemas.microsoft.com/office/powerpoint/2010/main" val="1941221791"/>
       </p:ext>
     </p:extLst>
   </p:cSld>
   <p:clrMapOvr>
     <a:masterClrMapping/>
   </p:clrMapOvr>
-  <p:timing>
-    <p:tnLst>
-      <p:par>
-        <p:cTn id="1" dur="indefinite" restart="never" nodeType="tmRoot"/>
-      </p:par>
-    </p:tnLst>
-  </p:timing>
 </p:sld>
 </file>
 
@@ -4871,7 +4878,7 @@
           <a:p>
             <a:pPr algn="ctr"/>
             <a:r>
-              <a:rPr lang="en-US" altLang="ko-KR" sz="4800" b="1" dirty="0" smtClean="0">
+              <a:rPr lang="en-US" altLang="ko-KR" sz="4800" b="1" dirty="0">
                 <a:solidFill>
                   <a:srgbClr val="C00000"/>
                 </a:solidFill>
@@ -4913,20 +4920,13 @@
     </p:spTree>
     <p:extLst>
       <p:ext uri="{BB962C8B-B14F-4D97-AF65-F5344CB8AC3E}">
-        <p14:creationId xmlns:p14="http://schemas.microsoft.com/office/powerpoint/2010/main" xmlns="" val="1941221791"/>
+        <p14:creationId xmlns:p14="http://schemas.microsoft.com/office/powerpoint/2010/main" val="1941221791"/>
       </p:ext>
     </p:extLst>
   </p:cSld>
   <p:clrMapOvr>
     <a:masterClrMapping/>
   </p:clrMapOvr>
-  <p:timing>
-    <p:tnLst>
-      <p:par>
-        <p:cTn id="1" dur="indefinite" restart="never" nodeType="tmRoot"/>
-      </p:par>
-    </p:tnLst>
-  </p:timing>
 </p:sld>
 </file>
 
@@ -4963,7 +4963,7 @@
           <a:lstStyle/>
           <a:p>
             <a:r>
-              <a:rPr lang="en-US" altLang="ko-KR" dirty="0" smtClean="0"/>
+              <a:rPr lang="en-US" altLang="ko-KR" dirty="0"/>
               <a:t>  Contents</a:t>
             </a:r>
             <a:endParaRPr lang="ko-KR" altLang="en-US" dirty="0"/>
@@ -4998,7 +4998,7 @@
               <a:buChar char="Ø"/>
             </a:pPr>
             <a:r>
-              <a:rPr lang="en-US" sz="2400" b="1" dirty="0" smtClean="0"/>
+              <a:rPr lang="en-US" sz="2400" b="1" dirty="0"/>
               <a:t> Introduction</a:t>
             </a:r>
           </a:p>
@@ -5011,30 +5011,16 @@
               <a:buChar char="Ø"/>
             </a:pPr>
             <a:r>
-              <a:rPr lang="en-US" altLang="ko-KR" sz="2400" b="1" dirty="0" smtClean="0">
+              <a:rPr lang="en-US" altLang="ko-KR" sz="2400" b="1" dirty="0">
                 <a:solidFill>
                   <a:schemeClr val="tx1">
                     <a:lumMod val="75000"/>
                     <a:lumOff val="25000"/>
                   </a:schemeClr>
                 </a:solidFill>
-                <a:latin typeface="Arial" pitchFamily="34" charset="0"/>
                 <a:cs typeface="Arial" pitchFamily="34" charset="0"/>
               </a:rPr>
-              <a:t> </a:t>
-            </a:r>
-            <a:r>
-              <a:rPr lang="en-US" altLang="ko-KR" sz="2400" b="1" dirty="0" smtClean="0">
-                <a:solidFill>
-                  <a:schemeClr val="tx1">
-                    <a:lumMod val="75000"/>
-                    <a:lumOff val="25000"/>
-                  </a:schemeClr>
-                </a:solidFill>
-                <a:latin typeface="Arial" pitchFamily="34" charset="0"/>
-                <a:cs typeface="Arial" pitchFamily="34" charset="0"/>
-              </a:rPr>
-              <a:t>Objective &amp; Motivation</a:t>
+              <a:t> Objective &amp; Motivation</a:t>
             </a:r>
           </a:p>
           <a:p>
@@ -5046,18 +5032,10 @@
               <a:buChar char="Ø"/>
             </a:pPr>
             <a:r>
-              <a:rPr lang="en-US" altLang="ko-KR" sz="2400" b="1" dirty="0" smtClean="0">
-                <a:latin typeface="Arial" pitchFamily="34" charset="0"/>
+              <a:rPr lang="en-US" altLang="ko-KR" sz="2400" b="1" dirty="0">
                 <a:cs typeface="Arial" pitchFamily="34" charset="0"/>
               </a:rPr>
-              <a:t> </a:t>
-            </a:r>
-            <a:r>
-              <a:rPr lang="en-US" altLang="ko-KR" sz="2400" b="1" dirty="0" smtClean="0">
-                <a:latin typeface="Arial" pitchFamily="34" charset="0"/>
-                <a:cs typeface="Arial" pitchFamily="34" charset="0"/>
-              </a:rPr>
-              <a:t>Problem Identification</a:t>
+              <a:t> Problem Identification</a:t>
             </a:r>
           </a:p>
           <a:p>
@@ -5069,30 +5047,16 @@
               <a:buChar char="Ø"/>
             </a:pPr>
             <a:r>
-              <a:rPr lang="en-US" altLang="ko-KR" sz="2400" b="1" dirty="0" smtClean="0">
+              <a:rPr lang="en-US" altLang="ko-KR" sz="2400" b="1" dirty="0">
                 <a:solidFill>
                   <a:schemeClr val="tx1">
                     <a:lumMod val="75000"/>
                     <a:lumOff val="25000"/>
                   </a:schemeClr>
                 </a:solidFill>
-                <a:latin typeface="Arial" pitchFamily="34" charset="0"/>
                 <a:cs typeface="Arial" pitchFamily="34" charset="0"/>
               </a:rPr>
-              <a:t> </a:t>
-            </a:r>
-            <a:r>
-              <a:rPr lang="en-US" altLang="ko-KR" sz="2400" b="1" dirty="0" smtClean="0">
-                <a:solidFill>
-                  <a:schemeClr val="tx1">
-                    <a:lumMod val="75000"/>
-                    <a:lumOff val="25000"/>
-                  </a:schemeClr>
-                </a:solidFill>
-                <a:latin typeface="Arial" pitchFamily="34" charset="0"/>
-                <a:cs typeface="Arial" pitchFamily="34" charset="0"/>
-              </a:rPr>
-              <a:t>Proposed Work</a:t>
+              <a:t> Proposed Work</a:t>
             </a:r>
           </a:p>
           <a:p>
@@ -5104,18 +5068,10 @@
               <a:buChar char="Ø"/>
             </a:pPr>
             <a:r>
-              <a:rPr lang="en-US" altLang="ko-KR" sz="2400" b="1" dirty="0" smtClean="0">
-                <a:latin typeface="Arial" pitchFamily="34" charset="0"/>
+              <a:rPr lang="en-US" altLang="ko-KR" sz="2400" b="1" dirty="0">
                 <a:cs typeface="Arial" pitchFamily="34" charset="0"/>
               </a:rPr>
-              <a:t> </a:t>
-            </a:r>
-            <a:r>
-              <a:rPr lang="en-US" altLang="ko-KR" sz="2400" b="1" dirty="0" smtClean="0">
-                <a:latin typeface="Arial" pitchFamily="34" charset="0"/>
-                <a:cs typeface="Arial" pitchFamily="34" charset="0"/>
-              </a:rPr>
-              <a:t>Implementation Details</a:t>
+              <a:t> Implementation Details</a:t>
             </a:r>
           </a:p>
           <a:p>
@@ -5127,21 +5083,19 @@
               <a:buChar char="Ø"/>
             </a:pPr>
             <a:r>
-              <a:rPr lang="en-US" altLang="ko-KR" sz="2400" b="1" dirty="0" smtClean="0">
+              <a:rPr lang="en-US" altLang="ko-KR" sz="2400" b="1" dirty="0">
                 <a:solidFill>
                   <a:schemeClr val="tx1">
                     <a:lumMod val="75000"/>
                     <a:lumOff val="25000"/>
                   </a:schemeClr>
                 </a:solidFill>
-                <a:latin typeface="Arial" pitchFamily="34" charset="0"/>
                 <a:cs typeface="Arial" pitchFamily="34" charset="0"/>
               </a:rPr>
               <a:t> </a:t>
             </a:r>
             <a:r>
-              <a:rPr lang="en-US" altLang="ko-KR" sz="2400" b="1" dirty="0" smtClean="0">
-                <a:latin typeface="Arial" pitchFamily="34" charset="0"/>
+              <a:rPr lang="en-US" altLang="ko-KR" sz="2400" b="1" dirty="0">
                 <a:cs typeface="Arial" pitchFamily="34" charset="0"/>
               </a:rPr>
               <a:t>Result/Expected Outcomes</a:t>
@@ -5156,41 +5110,17 @@
               <a:buChar char="Ø"/>
             </a:pPr>
             <a:r>
-              <a:rPr lang="en-US" altLang="ko-KR" sz="2400" b="1" dirty="0" smtClean="0">
+              <a:rPr lang="en-US" altLang="ko-KR" sz="2400" b="1" dirty="0">
                 <a:solidFill>
                   <a:schemeClr val="tx1">
                     <a:lumMod val="75000"/>
                     <a:lumOff val="25000"/>
                   </a:schemeClr>
                 </a:solidFill>
-                <a:latin typeface="Arial" pitchFamily="34" charset="0"/>
                 <a:cs typeface="Arial" pitchFamily="34" charset="0"/>
               </a:rPr>
-              <a:t> </a:t>
-            </a:r>
-            <a:r>
-              <a:rPr lang="en-US" altLang="ko-KR" sz="2400" b="1" dirty="0" smtClean="0">
-                <a:solidFill>
-                  <a:schemeClr val="tx1">
-                    <a:lumMod val="75000"/>
-                    <a:lumOff val="25000"/>
-                  </a:schemeClr>
-                </a:solidFill>
-                <a:latin typeface="Arial" pitchFamily="34" charset="0"/>
-                <a:cs typeface="Arial" pitchFamily="34" charset="0"/>
-              </a:rPr>
-              <a:t>Conclusion</a:t>
-            </a:r>
-            <a:endParaRPr lang="en-US" altLang="ko-KR" sz="2400" b="1" dirty="0">
-              <a:solidFill>
-                <a:schemeClr val="tx1">
-                  <a:lumMod val="75000"/>
-                  <a:lumOff val="25000"/>
-                </a:schemeClr>
-              </a:solidFill>
-              <a:latin typeface="Arial" pitchFamily="34" charset="0"/>
-              <a:cs typeface="Arial" pitchFamily="34" charset="0"/>
-            </a:endParaRPr>
+              <a:t> Conclusion</a:t>
+            </a:r>
           </a:p>
         </p:txBody>
       </p:sp>
@@ -5223,20 +5153,13 @@
     </p:spTree>
     <p:extLst>
       <p:ext uri="{BB962C8B-B14F-4D97-AF65-F5344CB8AC3E}">
-        <p14:creationId xmlns:p14="http://schemas.microsoft.com/office/powerpoint/2010/main" xmlns="" val="891763176"/>
+        <p14:creationId xmlns:p14="http://schemas.microsoft.com/office/powerpoint/2010/main" val="891763176"/>
       </p:ext>
     </p:extLst>
   </p:cSld>
   <p:clrMapOvr>
     <a:masterClrMapping/>
   </p:clrMapOvr>
-  <p:timing>
-    <p:tnLst>
-      <p:par>
-        <p:cTn id="1" dur="indefinite" restart="never" nodeType="tmRoot"/>
-      </p:par>
-    </p:tnLst>
-  </p:timing>
 </p:sld>
 </file>
 
@@ -5273,7 +5196,9 @@
           <a:lstStyle/>
           <a:p>
             <a:r>
-              <a:rPr lang="en-US" dirty="0" smtClean="0"/>
+              <a:rPr lang="en-US" dirty="0">
+                <a:latin typeface="+mn-lt"/>
+              </a:rPr>
               <a:t>Introduction</a:t>
             </a:r>
           </a:p>
@@ -5400,50 +5325,226 @@
       </p:pic>
       <p:sp>
         <p:nvSpPr>
-          <p:cNvPr id="7" name="Content Placeholder 11"/>
+          <p:cNvPr id="3" name="Content Placeholder 2">
+            <a:extLst>
+              <a:ext uri="{FF2B5EF4-FFF2-40B4-BE49-F238E27FC236}">
+                <a16:creationId xmlns:a16="http://schemas.microsoft.com/office/drawing/2014/main" id="{E2B5DEF5-8D94-51A6-D90A-0030320765DC}"/>
+              </a:ext>
+            </a:extLst>
+          </p:cNvPr>
           <p:cNvSpPr>
-            <a:spLocks noGrp="1"/>
+            <a:spLocks noGrp="1" noChangeArrowheads="1"/>
           </p:cNvSpPr>
           <p:nvPr>
             <p:ph idx="1"/>
           </p:nvPr>
         </p:nvSpPr>
-        <p:spPr>
+        <p:spPr bwMode="auto">
           <a:xfrm>
-            <a:off x="1905000" y="1524000"/>
-            <a:ext cx="6629400" cy="533400"/>
+            <a:off x="1619672" y="1066800"/>
+            <a:ext cx="6781800" cy="3778278"/>
           </a:xfrm>
+          <a:prstGeom prst="rect">
+            <a:avLst/>
+          </a:prstGeom>
+          <a:noFill/>
+          <a:ln>
+            <a:noFill/>
+          </a:ln>
+          <a:effectLst/>
+          <a:extLst>
+            <a:ext uri="{909E8E84-426E-40DD-AFC4-6F175D3DCCD1}">
+              <a14:hiddenFill xmlns:a14="http://schemas.microsoft.com/office/drawing/2010/main">
+                <a:solidFill>
+                  <a:schemeClr val="accent1"/>
+                </a:solidFill>
+              </a14:hiddenFill>
+            </a:ext>
+            <a:ext uri="{91240B29-F687-4F45-9708-019B960494DF}">
+              <a14:hiddenLine xmlns:a14="http://schemas.microsoft.com/office/drawing/2010/main" w="9525">
+                <a:solidFill>
+                  <a:schemeClr val="tx1"/>
+                </a:solidFill>
+                <a:miter lim="800000"/>
+                <a:headEnd/>
+                <a:tailEnd/>
+              </a14:hiddenLine>
+            </a:ext>
+            <a:ext uri="{AF507438-7753-43E0-B8FC-AC1667EBCBE1}">
+              <a14:hiddenEffects xmlns:a14="http://schemas.microsoft.com/office/drawing/2010/main">
+                <a:effectLst>
+                  <a:outerShdw dist="35921" dir="2700000" algn="ctr" rotWithShape="0">
+                    <a:schemeClr val="bg2"/>
+                  </a:outerShdw>
+                </a:effectLst>
+              </a14:hiddenEffects>
+            </a:ext>
+          </a:extLst>
         </p:spPr>
         <p:txBody>
-          <a:bodyPr/>
+          <a:bodyPr vert="horz" wrap="square" lIns="91440" tIns="45720" rIns="91440" bIns="45720" numCol="1" anchor="ctr" anchorCtr="0" compatLnSpc="1">
+            <a:prstTxWarp prst="textNoShape">
+              <a:avLst/>
+            </a:prstTxWarp>
+            <a:spAutoFit/>
+          </a:bodyPr>
           <a:lstStyle/>
           <a:p>
-            <a:pPr algn="just"/>
-            <a:r>
-              <a:rPr lang="en-US" sz="2400" dirty="0" smtClean="0"/>
-              <a:t>In introduction we need to discuss about the terminologies used in project. Such as area    you selected for project, technologies or          framework. </a:t>
-            </a:r>
-            <a:endParaRPr lang="en-IN" sz="2400" dirty="0" smtClean="0"/>
+            <a:pPr marL="0" marR="0" lvl="0" indent="0" algn="l" defTabSz="914400" rtl="0" eaLnBrk="0" fontAlgn="base" latinLnBrk="0" hangingPunct="0">
+              <a:lnSpc>
+                <a:spcPct val="150000"/>
+              </a:lnSpc>
+              <a:spcBef>
+                <a:spcPct val="0"/>
+              </a:spcBef>
+              <a:spcAft>
+                <a:spcPct val="0"/>
+              </a:spcAft>
+              <a:buClrTx/>
+              <a:buSzTx/>
+              <a:tabLst/>
+            </a:pPr>
+            <a:r>
+              <a:rPr kumimoji="0" lang="en-US" altLang="en-US" sz="1800" b="0" i="0" u="none" strike="noStrike" cap="none" normalizeH="0" baseline="0" dirty="0">
+                <a:ln>
+                  <a:noFill/>
+                </a:ln>
+                <a:solidFill>
+                  <a:schemeClr val="tx1"/>
+                </a:solidFill>
+                <a:effectLst/>
+              </a:rPr>
+              <a:t>Agriculture is the backbone of the global economy, yet farmers face increasing challenges due to unpredictable weather conditions, changing environmental factors, and the need for efficient resource allocation.</a:t>
+            </a:r>
+          </a:p>
+          <a:p>
+            <a:pPr marL="0" marR="0" lvl="0" indent="0" algn="l" defTabSz="914400" rtl="0" eaLnBrk="0" fontAlgn="base" latinLnBrk="0" hangingPunct="0">
+              <a:lnSpc>
+                <a:spcPct val="150000"/>
+              </a:lnSpc>
+              <a:spcBef>
+                <a:spcPct val="0"/>
+              </a:spcBef>
+              <a:spcAft>
+                <a:spcPct val="0"/>
+              </a:spcAft>
+              <a:buClrTx/>
+              <a:buSzTx/>
+              <a:tabLst/>
+            </a:pPr>
+            <a:endParaRPr kumimoji="0" lang="en-US" altLang="en-US" sz="1800" b="0" i="0" u="none" strike="noStrike" cap="none" normalizeH="0" baseline="0" dirty="0">
+              <a:ln>
+                <a:noFill/>
+              </a:ln>
+              <a:solidFill>
+                <a:schemeClr val="tx1"/>
+              </a:solidFill>
+              <a:effectLst/>
+            </a:endParaRPr>
+          </a:p>
+          <a:p>
+            <a:pPr marL="285750" marR="0" lvl="0" indent="-285750" algn="l" defTabSz="914400" rtl="0" eaLnBrk="0" fontAlgn="base" latinLnBrk="0" hangingPunct="0">
+              <a:lnSpc>
+                <a:spcPct val="150000"/>
+              </a:lnSpc>
+              <a:spcBef>
+                <a:spcPct val="0"/>
+              </a:spcBef>
+              <a:spcAft>
+                <a:spcPct val="0"/>
+              </a:spcAft>
+              <a:buClrTx/>
+              <a:buSzTx/>
+              <a:buFont typeface="Arial" panose="020B0604020202020204" pitchFamily="34" charset="0"/>
+              <a:buChar char="•"/>
+              <a:tabLst/>
+            </a:pPr>
+            <a:r>
+              <a:rPr kumimoji="0" lang="en-US" altLang="en-US" sz="1800" b="1" i="0" u="none" strike="noStrike" cap="none" normalizeH="0" baseline="0" dirty="0">
+                <a:ln>
+                  <a:noFill/>
+                </a:ln>
+                <a:solidFill>
+                  <a:schemeClr val="tx1"/>
+                </a:solidFill>
+                <a:effectLst/>
+              </a:rPr>
+              <a:t>Project Area</a:t>
+            </a:r>
+            <a:r>
+              <a:rPr kumimoji="0" lang="en-US" altLang="en-US" sz="1800" b="0" i="0" u="none" strike="noStrike" cap="none" normalizeH="0" baseline="0" dirty="0">
+                <a:ln>
+                  <a:noFill/>
+                </a:ln>
+                <a:solidFill>
+                  <a:schemeClr val="tx1"/>
+                </a:solidFill>
+                <a:effectLst/>
+              </a:rPr>
+              <a:t>:</a:t>
+            </a:r>
+          </a:p>
+          <a:p>
+            <a:pPr marL="1028700" lvl="1" eaLnBrk="0" fontAlgn="base" latinLnBrk="0" hangingPunct="0">
+              <a:lnSpc>
+                <a:spcPct val="150000"/>
+              </a:lnSpc>
+              <a:spcBef>
+                <a:spcPct val="0"/>
+              </a:spcBef>
+              <a:spcAft>
+                <a:spcPct val="0"/>
+              </a:spcAft>
+            </a:pPr>
+            <a:r>
+              <a:rPr kumimoji="0" lang="en-US" altLang="en-US" sz="1800" b="0" i="0" u="none" strike="noStrike" cap="none" normalizeH="0" baseline="0" dirty="0">
+                <a:ln>
+                  <a:noFill/>
+                </a:ln>
+                <a:solidFill>
+                  <a:schemeClr val="tx1"/>
+                </a:solidFill>
+                <a:effectLst/>
+              </a:rPr>
+              <a:t>The project focuses on the integration of </a:t>
+            </a:r>
+            <a:r>
+              <a:rPr kumimoji="0" lang="en-US" altLang="en-US" sz="1800" b="1" i="0" u="none" strike="noStrike" cap="none" normalizeH="0" baseline="0" dirty="0">
+                <a:ln>
+                  <a:noFill/>
+                </a:ln>
+                <a:solidFill>
+                  <a:schemeClr val="tx1"/>
+                </a:solidFill>
+                <a:effectLst/>
+              </a:rPr>
+              <a:t>Machine Learning</a:t>
+            </a:r>
+            <a:r>
+              <a:rPr kumimoji="0" lang="en-US" altLang="en-US" sz="1800" b="0" i="0" u="none" strike="noStrike" cap="none" normalizeH="0" baseline="0" dirty="0">
+                <a:ln>
+                  <a:noFill/>
+                </a:ln>
+                <a:solidFill>
+                  <a:schemeClr val="tx1"/>
+                </a:solidFill>
+                <a:effectLst/>
+              </a:rPr>
+              <a:t> into agriculture to predict crop yields accurately.</a:t>
+            </a:r>
           </a:p>
         </p:txBody>
       </p:sp>
     </p:spTree>
     <p:extLst>
       <p:ext uri="{BB962C8B-B14F-4D97-AF65-F5344CB8AC3E}">
-        <p14:creationId xmlns:p14="http://schemas.microsoft.com/office/powerpoint/2010/main" xmlns="" val="3659674305"/>
+        <p14:creationId xmlns:p14="http://schemas.microsoft.com/office/powerpoint/2010/main" val="3659674305"/>
       </p:ext>
     </p:extLst>
   </p:cSld>
   <p:clrMapOvr>
     <a:masterClrMapping/>
   </p:clrMapOvr>
-  <p:timing>
-    <p:tnLst>
-      <p:par>
-        <p:cTn id="1" dur="indefinite" restart="never" nodeType="tmRoot"/>
-      </p:par>
-    </p:tnLst>
-  </p:timing>
 </p:sld>
 </file>
 
@@ -5480,8 +5581,14 @@
           <a:lstStyle/>
           <a:p>
             <a:r>
-              <a:rPr lang="en-US" dirty="0" smtClean="0"/>
-              <a:t>Objective &amp; Motivation</a:t>
+              <a:rPr lang="en-US" dirty="0">
+                <a:latin typeface="+mn-lt"/>
+              </a:rPr>
+              <a:t>Objective</a:t>
+            </a:r>
+            <a:r>
+              <a:rPr lang="en-US" dirty="0"/>
+              <a:t> &amp; Motivation</a:t>
             </a:r>
           </a:p>
         </p:txBody>
@@ -5607,62 +5714,356 @@
       </p:pic>
       <p:sp>
         <p:nvSpPr>
-          <p:cNvPr id="7" name="Content Placeholder 11"/>
+          <p:cNvPr id="2" name="Content Placeholder 1">
+            <a:extLst>
+              <a:ext uri="{FF2B5EF4-FFF2-40B4-BE49-F238E27FC236}">
+                <a16:creationId xmlns:a16="http://schemas.microsoft.com/office/drawing/2014/main" id="{6BC45A76-06F6-8D02-354B-34DF68B60E13}"/>
+              </a:ext>
+            </a:extLst>
+          </p:cNvPr>
           <p:cNvSpPr>
-            <a:spLocks noGrp="1"/>
+            <a:spLocks noGrp="1" noChangeArrowheads="1"/>
           </p:cNvSpPr>
           <p:nvPr>
             <p:ph idx="1"/>
           </p:nvPr>
         </p:nvSpPr>
-        <p:spPr>
+        <p:spPr bwMode="auto">
           <a:xfrm>
-            <a:off x="1905000" y="1524000"/>
-            <a:ext cx="6629400" cy="533400"/>
+            <a:off x="1838536" y="1075650"/>
+            <a:ext cx="7086600" cy="5355312"/>
           </a:xfrm>
+          <a:prstGeom prst="rect">
+            <a:avLst/>
+          </a:prstGeom>
+          <a:noFill/>
+          <a:ln>
+            <a:noFill/>
+          </a:ln>
+          <a:effectLst/>
+          <a:extLst>
+            <a:ext uri="{909E8E84-426E-40DD-AFC4-6F175D3DCCD1}">
+              <a14:hiddenFill xmlns:a14="http://schemas.microsoft.com/office/drawing/2010/main">
+                <a:solidFill>
+                  <a:schemeClr val="accent1"/>
+                </a:solidFill>
+              </a14:hiddenFill>
+            </a:ext>
+            <a:ext uri="{91240B29-F687-4F45-9708-019B960494DF}">
+              <a14:hiddenLine xmlns:a14="http://schemas.microsoft.com/office/drawing/2010/main" w="9525">
+                <a:solidFill>
+                  <a:schemeClr val="tx1"/>
+                </a:solidFill>
+                <a:miter lim="800000"/>
+                <a:headEnd/>
+                <a:tailEnd/>
+              </a14:hiddenLine>
+            </a:ext>
+            <a:ext uri="{AF507438-7753-43E0-B8FC-AC1667EBCBE1}">
+              <a14:hiddenEffects xmlns:a14="http://schemas.microsoft.com/office/drawing/2010/main">
+                <a:effectLst>
+                  <a:outerShdw dist="35921" dir="2700000" algn="ctr" rotWithShape="0">
+                    <a:schemeClr val="bg2"/>
+                  </a:outerShdw>
+                </a:effectLst>
+              </a14:hiddenEffects>
+            </a:ext>
+          </a:extLst>
         </p:spPr>
         <p:txBody>
-          <a:bodyPr/>
+          <a:bodyPr vert="horz" wrap="square" lIns="91440" tIns="45720" rIns="91440" bIns="45720" numCol="1" anchor="ctr" anchorCtr="0" compatLnSpc="1">
+            <a:prstTxWarp prst="textNoShape">
+              <a:avLst/>
+            </a:prstTxWarp>
+            <a:spAutoFit/>
+          </a:bodyPr>
           <a:lstStyle/>
           <a:p>
-            <a:pPr algn="just"/>
-            <a:r>
-              <a:rPr lang="en-US" sz="2400" dirty="0" smtClean="0"/>
-              <a:t>In objective we need to discuss about the  </a:t>
-            </a:r>
-            <a:r>
-              <a:rPr lang="en-US" sz="2400" dirty="0" smtClean="0"/>
-              <a:t> </a:t>
-            </a:r>
-            <a:r>
-              <a:rPr lang="en-US" sz="2400" dirty="0" smtClean="0"/>
-              <a:t>   </a:t>
-            </a:r>
-            <a:r>
-              <a:rPr lang="en-US" sz="2400" dirty="0" smtClean="0"/>
-              <a:t>objectives of our project along with the       motivation. We need to cover all target work which we are going to implement. </a:t>
-            </a:r>
-            <a:endParaRPr lang="en-IN" sz="2400" dirty="0" smtClean="0"/>
+            <a:pPr marL="285750" marR="0" lvl="0" indent="-285750" algn="l" defTabSz="914400" rtl="0" eaLnBrk="0" fontAlgn="base" latinLnBrk="0" hangingPunct="0">
+              <a:lnSpc>
+                <a:spcPct val="150000"/>
+              </a:lnSpc>
+              <a:spcBef>
+                <a:spcPct val="0"/>
+              </a:spcBef>
+              <a:spcAft>
+                <a:spcPct val="0"/>
+              </a:spcAft>
+              <a:buClrTx/>
+              <a:buSzTx/>
+              <a:buFont typeface="Arial" panose="020B0604020202020204" pitchFamily="34" charset="0"/>
+              <a:buChar char="•"/>
+              <a:tabLst/>
+            </a:pPr>
+            <a:r>
+              <a:rPr kumimoji="0" lang="en-US" altLang="en-US" sz="1800" b="1" i="0" u="none" strike="noStrike" cap="none" normalizeH="0" baseline="0" dirty="0">
+                <a:ln>
+                  <a:noFill/>
+                </a:ln>
+                <a:solidFill>
+                  <a:schemeClr val="tx1"/>
+                </a:solidFill>
+                <a:effectLst/>
+              </a:rPr>
+              <a:t>Objectives</a:t>
+            </a:r>
+            <a:r>
+              <a:rPr kumimoji="0" lang="en-US" altLang="en-US" sz="1800" b="0" i="0" u="none" strike="noStrike" cap="none" normalizeH="0" baseline="0" dirty="0">
+                <a:ln>
+                  <a:noFill/>
+                </a:ln>
+                <a:solidFill>
+                  <a:schemeClr val="tx1"/>
+                </a:solidFill>
+                <a:effectLst/>
+              </a:rPr>
+              <a:t>:</a:t>
+            </a:r>
+          </a:p>
+          <a:p>
+            <a:pPr marL="1085850" lvl="1" indent="-342900" eaLnBrk="0" fontAlgn="base" latinLnBrk="0" hangingPunct="0">
+              <a:lnSpc>
+                <a:spcPct val="150000"/>
+              </a:lnSpc>
+              <a:spcBef>
+                <a:spcPct val="0"/>
+              </a:spcBef>
+              <a:spcAft>
+                <a:spcPct val="0"/>
+              </a:spcAft>
+              <a:buFont typeface="+mj-lt"/>
+              <a:buAutoNum type="arabicPeriod"/>
+            </a:pPr>
+            <a:r>
+              <a:rPr kumimoji="0" lang="en-US" altLang="en-US" sz="1800" b="0" i="0" u="none" strike="noStrike" cap="none" normalizeH="0" baseline="0" dirty="0">
+                <a:ln>
+                  <a:noFill/>
+                </a:ln>
+                <a:solidFill>
+                  <a:schemeClr val="tx1"/>
+                </a:solidFill>
+                <a:effectLst/>
+              </a:rPr>
+              <a:t>Build a system that predicts crop yields based on environmental and agricultural factors.</a:t>
+            </a:r>
+          </a:p>
+          <a:p>
+            <a:pPr marL="1085850" lvl="1" indent="-342900" eaLnBrk="0" fontAlgn="base" latinLnBrk="0" hangingPunct="0">
+              <a:lnSpc>
+                <a:spcPct val="150000"/>
+              </a:lnSpc>
+              <a:spcBef>
+                <a:spcPct val="0"/>
+              </a:spcBef>
+              <a:spcAft>
+                <a:spcPct val="0"/>
+              </a:spcAft>
+              <a:buFont typeface="+mj-lt"/>
+              <a:buAutoNum type="arabicPeriod"/>
+            </a:pPr>
+            <a:r>
+              <a:rPr kumimoji="0" lang="en-US" altLang="en-US" sz="1800" b="0" i="0" u="none" strike="noStrike" cap="none" normalizeH="0" baseline="0" dirty="0">
+                <a:ln>
+                  <a:noFill/>
+                </a:ln>
+                <a:solidFill>
+                  <a:schemeClr val="tx1"/>
+                </a:solidFill>
+                <a:effectLst/>
+              </a:rPr>
+              <a:t>Provide actionable insights to farmers to optimize resource utilization.</a:t>
+            </a:r>
+          </a:p>
+          <a:p>
+            <a:pPr marL="1085850" lvl="1" indent="-342900" eaLnBrk="0" fontAlgn="base" latinLnBrk="0" hangingPunct="0">
+              <a:lnSpc>
+                <a:spcPct val="150000"/>
+              </a:lnSpc>
+              <a:spcBef>
+                <a:spcPct val="0"/>
+              </a:spcBef>
+              <a:spcAft>
+                <a:spcPct val="0"/>
+              </a:spcAft>
+              <a:buFont typeface="+mj-lt"/>
+              <a:buAutoNum type="arabicPeriod"/>
+            </a:pPr>
+            <a:r>
+              <a:rPr kumimoji="0" lang="en-US" altLang="en-US" sz="1800" b="0" i="0" u="none" strike="noStrike" cap="none" normalizeH="0" baseline="0" dirty="0">
+                <a:ln>
+                  <a:noFill/>
+                </a:ln>
+                <a:solidFill>
+                  <a:schemeClr val="tx1"/>
+                </a:solidFill>
+                <a:effectLst/>
+              </a:rPr>
+              <a:t>Promote sustainable agricultural practices using technology.</a:t>
+            </a:r>
+          </a:p>
+          <a:p>
+            <a:pPr marL="285750" marR="0" lvl="0" indent="-285750" algn="l" defTabSz="914400" rtl="0" eaLnBrk="0" fontAlgn="base" latinLnBrk="0" hangingPunct="0">
+              <a:lnSpc>
+                <a:spcPct val="150000"/>
+              </a:lnSpc>
+              <a:spcBef>
+                <a:spcPct val="0"/>
+              </a:spcBef>
+              <a:spcAft>
+                <a:spcPct val="0"/>
+              </a:spcAft>
+              <a:buClrTx/>
+              <a:buSzTx/>
+              <a:buFont typeface="Arial" panose="020B0604020202020204" pitchFamily="34" charset="0"/>
+              <a:buChar char="•"/>
+              <a:tabLst/>
+            </a:pPr>
+            <a:r>
+              <a:rPr kumimoji="0" lang="en-US" altLang="en-US" sz="1800" b="1" i="0" u="none" strike="noStrike" cap="none" normalizeH="0" baseline="0" dirty="0">
+                <a:ln>
+                  <a:noFill/>
+                </a:ln>
+                <a:solidFill>
+                  <a:schemeClr val="tx1"/>
+                </a:solidFill>
+                <a:effectLst/>
+              </a:rPr>
+              <a:t>Motivation</a:t>
+            </a:r>
+            <a:r>
+              <a:rPr kumimoji="0" lang="en-US" altLang="en-US" sz="1800" b="0" i="0" u="none" strike="noStrike" cap="none" normalizeH="0" baseline="0" dirty="0">
+                <a:ln>
+                  <a:noFill/>
+                </a:ln>
+                <a:solidFill>
+                  <a:schemeClr val="tx1"/>
+                </a:solidFill>
+                <a:effectLst/>
+              </a:rPr>
+              <a:t>:</a:t>
+            </a:r>
+          </a:p>
+          <a:p>
+            <a:pPr marL="1028700" lvl="1" eaLnBrk="0" fontAlgn="base" latinLnBrk="0" hangingPunct="0">
+              <a:lnSpc>
+                <a:spcPct val="150000"/>
+              </a:lnSpc>
+              <a:spcBef>
+                <a:spcPct val="0"/>
+              </a:spcBef>
+              <a:spcAft>
+                <a:spcPct val="0"/>
+              </a:spcAft>
+              <a:buFont typeface="Arial" panose="020B0604020202020204" pitchFamily="34" charset="0"/>
+              <a:buChar char="•"/>
+            </a:pPr>
+            <a:r>
+              <a:rPr kumimoji="0" lang="en-US" altLang="en-US" sz="1800" b="0" i="0" u="none" strike="noStrike" cap="none" normalizeH="0" baseline="0" dirty="0">
+                <a:ln>
+                  <a:noFill/>
+                </a:ln>
+                <a:solidFill>
+                  <a:schemeClr val="tx1"/>
+                </a:solidFill>
+                <a:effectLst/>
+              </a:rPr>
+              <a:t>Address challenges of traditional prediction methods.</a:t>
+            </a:r>
+          </a:p>
+          <a:p>
+            <a:pPr marL="1028700" lvl="1" eaLnBrk="0" fontAlgn="base" latinLnBrk="0" hangingPunct="0">
+              <a:lnSpc>
+                <a:spcPct val="150000"/>
+              </a:lnSpc>
+              <a:spcBef>
+                <a:spcPct val="0"/>
+              </a:spcBef>
+              <a:spcAft>
+                <a:spcPct val="0"/>
+              </a:spcAft>
+              <a:buFont typeface="Arial" panose="020B0604020202020204" pitchFamily="34" charset="0"/>
+              <a:buChar char="•"/>
+            </a:pPr>
+            <a:r>
+              <a:rPr kumimoji="0" lang="en-US" altLang="en-US" sz="1800" b="0" i="0" u="none" strike="noStrike" cap="none" normalizeH="0" baseline="0" dirty="0">
+                <a:ln>
+                  <a:noFill/>
+                </a:ln>
+                <a:solidFill>
+                  <a:schemeClr val="tx1"/>
+                </a:solidFill>
+                <a:effectLst/>
+              </a:rPr>
+              <a:t>Improve agricultural efficiency and profitability.</a:t>
+            </a:r>
+          </a:p>
+          <a:p>
+            <a:pPr marL="1028700" lvl="1" eaLnBrk="0" fontAlgn="base" latinLnBrk="0" hangingPunct="0">
+              <a:lnSpc>
+                <a:spcPct val="150000"/>
+              </a:lnSpc>
+              <a:spcBef>
+                <a:spcPct val="0"/>
+              </a:spcBef>
+              <a:spcAft>
+                <a:spcPct val="0"/>
+              </a:spcAft>
+              <a:buFont typeface="Arial" panose="020B0604020202020204" pitchFamily="34" charset="0"/>
+              <a:buChar char="•"/>
+            </a:pPr>
+            <a:r>
+              <a:rPr kumimoji="0" lang="en-US" altLang="en-US" sz="1800" b="0" i="0" u="none" strike="noStrike" cap="none" normalizeH="0" baseline="0" dirty="0">
+                <a:ln>
+                  <a:noFill/>
+                </a:ln>
+                <a:solidFill>
+                  <a:schemeClr val="tx1"/>
+                </a:solidFill>
+                <a:effectLst/>
+              </a:rPr>
+              <a:t>Support food security through data-driven decision-making.</a:t>
+            </a:r>
+          </a:p>
+          <a:p>
+            <a:pPr marL="0" marR="0" lvl="0" indent="0" algn="l" defTabSz="914400" rtl="0" eaLnBrk="0" fontAlgn="base" latinLnBrk="0" hangingPunct="0">
+              <a:lnSpc>
+                <a:spcPct val="100000"/>
+              </a:lnSpc>
+              <a:spcBef>
+                <a:spcPct val="0"/>
+              </a:spcBef>
+              <a:spcAft>
+                <a:spcPct val="0"/>
+              </a:spcAft>
+              <a:buClrTx/>
+              <a:buSzTx/>
+              <a:buFontTx/>
+              <a:buNone/>
+              <a:tabLst/>
+            </a:pPr>
+            <a:endParaRPr kumimoji="0" lang="en-US" altLang="en-US" sz="1800" b="0" i="0" u="none" strike="noStrike" cap="none" normalizeH="0" baseline="0" dirty="0">
+              <a:ln>
+                <a:noFill/>
+              </a:ln>
+              <a:solidFill>
+                <a:schemeClr val="tx1"/>
+              </a:solidFill>
+              <a:effectLst/>
+              <a:latin typeface="Arial" panose="020B0604020202020204" pitchFamily="34" charset="0"/>
+            </a:endParaRPr>
           </a:p>
         </p:txBody>
       </p:sp>
     </p:spTree>
     <p:extLst>
       <p:ext uri="{BB962C8B-B14F-4D97-AF65-F5344CB8AC3E}">
-        <p14:creationId xmlns:p14="http://schemas.microsoft.com/office/powerpoint/2010/main" xmlns="" val="3659674305"/>
+        <p14:creationId xmlns:p14="http://schemas.microsoft.com/office/powerpoint/2010/main" val="3659674305"/>
       </p:ext>
     </p:extLst>
   </p:cSld>
   <p:clrMapOvr>
     <a:masterClrMapping/>
   </p:clrMapOvr>
-  <p:timing>
-    <p:tnLst>
-      <p:par>
-        <p:cTn id="1" dur="indefinite" restart="never" nodeType="tmRoot"/>
-      </p:par>
-    </p:tnLst>
-  </p:timing>
 </p:sld>
 </file>
 
@@ -5699,8 +6100,14 @@
           <a:lstStyle/>
           <a:p>
             <a:r>
-              <a:rPr lang="en-US" dirty="0" smtClean="0"/>
-              <a:t>Problem Identification</a:t>
+              <a:rPr lang="en-US" dirty="0">
+                <a:latin typeface="+mn-lt"/>
+              </a:rPr>
+              <a:t>Problem</a:t>
+            </a:r>
+            <a:r>
+              <a:rPr lang="en-US" dirty="0"/>
+              <a:t> Identification</a:t>
             </a:r>
           </a:p>
         </p:txBody>
@@ -5836,40 +6243,111 @@
         </p:nvSpPr>
         <p:spPr>
           <a:xfrm>
-            <a:off x="1905000" y="1600200"/>
-            <a:ext cx="6629400" cy="533400"/>
+            <a:off x="1752600" y="1141672"/>
+            <a:ext cx="6629400" cy="4420928"/>
           </a:xfrm>
         </p:spPr>
         <p:txBody>
           <a:bodyPr/>
           <a:lstStyle/>
           <a:p>
-            <a:pPr algn="just"/>
-            <a:r>
-              <a:rPr lang="en-US" sz="2400" dirty="0" smtClean="0"/>
-              <a:t>In problem identification, we need to discuss about the problem present in the current      scenario. We also need to find out the         solution for the same.    </a:t>
-            </a:r>
-            <a:endParaRPr lang="en-IN" sz="2400" dirty="0" smtClean="0"/>
+            <a:pPr marL="285750" indent="-285750">
+              <a:lnSpc>
+                <a:spcPct val="150000"/>
+              </a:lnSpc>
+              <a:buFont typeface="Arial" panose="020B0604020202020204" pitchFamily="34" charset="0"/>
+              <a:buChar char="•"/>
+            </a:pPr>
+            <a:r>
+              <a:rPr lang="en-GB" sz="1800" b="1" dirty="0"/>
+              <a:t>Current Problems</a:t>
+            </a:r>
+            <a:r>
+              <a:rPr lang="en-GB" sz="1800" dirty="0"/>
+              <a:t>:</a:t>
+            </a:r>
+          </a:p>
+          <a:p>
+            <a:pPr marL="742950" lvl="1" indent="-285750">
+              <a:lnSpc>
+                <a:spcPct val="150000"/>
+              </a:lnSpc>
+              <a:buFont typeface="Arial" panose="020B0604020202020204" pitchFamily="34" charset="0"/>
+              <a:buChar char="•"/>
+            </a:pPr>
+            <a:r>
+              <a:rPr lang="en-GB" sz="1800" dirty="0"/>
+              <a:t>Traditional methods rely on static historical averages and lack precision.</a:t>
+            </a:r>
+          </a:p>
+          <a:p>
+            <a:pPr marL="742950" lvl="1" indent="-285750">
+              <a:lnSpc>
+                <a:spcPct val="150000"/>
+              </a:lnSpc>
+              <a:buFont typeface="Arial" panose="020B0604020202020204" pitchFamily="34" charset="0"/>
+              <a:buChar char="•"/>
+            </a:pPr>
+            <a:r>
+              <a:rPr lang="en-GB" sz="1800" dirty="0"/>
+              <a:t>Inefficient use of resources like water and fertilizers.</a:t>
+            </a:r>
+          </a:p>
+          <a:p>
+            <a:pPr marL="742950" lvl="1" indent="-285750">
+              <a:lnSpc>
+                <a:spcPct val="150000"/>
+              </a:lnSpc>
+              <a:buFont typeface="Arial" panose="020B0604020202020204" pitchFamily="34" charset="0"/>
+              <a:buChar char="•"/>
+            </a:pPr>
+            <a:r>
+              <a:rPr lang="en-GB" sz="1800" dirty="0"/>
+              <a:t>Inability to predict yield accurately due to changing environmental conditions.</a:t>
+            </a:r>
+          </a:p>
+          <a:p>
+            <a:pPr marL="285750" indent="-285750">
+              <a:lnSpc>
+                <a:spcPct val="150000"/>
+              </a:lnSpc>
+              <a:buFont typeface="Arial" panose="020B0604020202020204" pitchFamily="34" charset="0"/>
+              <a:buChar char="•"/>
+            </a:pPr>
+            <a:r>
+              <a:rPr lang="en-GB" sz="1800" b="1" dirty="0"/>
+              <a:t>Solution</a:t>
+            </a:r>
+            <a:r>
+              <a:rPr lang="en-GB" sz="1800" dirty="0"/>
+              <a:t>:</a:t>
+            </a:r>
+          </a:p>
+          <a:p>
+            <a:pPr lvl="1">
+              <a:lnSpc>
+                <a:spcPct val="150000"/>
+              </a:lnSpc>
+              <a:buFont typeface="Arial" panose="020B0604020202020204" pitchFamily="34" charset="0"/>
+              <a:buChar char="•"/>
+            </a:pPr>
+            <a:r>
+              <a:rPr lang="en-GB" sz="1800" dirty="0"/>
+              <a:t>A machine learning model that integrates multiple environmental and agricultural factors to provide accurate crop yield predictions.</a:t>
+            </a:r>
           </a:p>
         </p:txBody>
       </p:sp>
     </p:spTree>
     <p:extLst>
       <p:ext uri="{BB962C8B-B14F-4D97-AF65-F5344CB8AC3E}">
-        <p14:creationId xmlns:p14="http://schemas.microsoft.com/office/powerpoint/2010/main" xmlns="" val="3659674305"/>
+        <p14:creationId xmlns:p14="http://schemas.microsoft.com/office/powerpoint/2010/main" val="3659674305"/>
       </p:ext>
     </p:extLst>
   </p:cSld>
   <p:clrMapOvr>
     <a:masterClrMapping/>
   </p:clrMapOvr>
-  <p:timing>
-    <p:tnLst>
-      <p:par>
-        <p:cTn id="1" dur="indefinite" restart="never" nodeType="tmRoot"/>
-      </p:par>
-    </p:tnLst>
-  </p:timing>
 </p:sld>
 </file>
 
@@ -5906,10 +6384,15 @@
           <a:lstStyle/>
           <a:p>
             <a:r>
-              <a:rPr lang="en-US" dirty="0" smtClean="0"/>
-              <a:t>Proposed Work</a:t>
-            </a:r>
-            <a:endParaRPr lang="en-US" dirty="0" smtClean="0"/>
+              <a:rPr lang="en-US" dirty="0">
+                <a:latin typeface="+mn-lt"/>
+              </a:rPr>
+              <a:t>Proposed</a:t>
+            </a:r>
+            <a:r>
+              <a:rPr lang="en-US" dirty="0"/>
+              <a:t> Work</a:t>
+            </a:r>
           </a:p>
         </p:txBody>
       </p:sp>
@@ -6044,40 +6527,116 @@
         </p:nvSpPr>
         <p:spPr>
           <a:xfrm>
-            <a:off x="1905000" y="1600200"/>
-            <a:ext cx="6629400" cy="533400"/>
+            <a:off x="1752600" y="1141672"/>
+            <a:ext cx="6629400" cy="2592128"/>
           </a:xfrm>
         </p:spPr>
         <p:txBody>
           <a:bodyPr/>
           <a:lstStyle/>
           <a:p>
-            <a:pPr algn="just"/>
-            <a:r>
-              <a:rPr lang="en-US" sz="2400" dirty="0" smtClean="0"/>
-              <a:t>In proposed work, we need to discuss about   the work which we are going to implement    with feasible solutions along with the flow    chart or work flow diagram. </a:t>
-            </a:r>
-            <a:endParaRPr lang="en-IN" sz="2400" dirty="0" smtClean="0"/>
-          </a:p>
-        </p:txBody>
-      </p:sp>
+            <a:pPr marL="285750" indent="-285750">
+              <a:lnSpc>
+                <a:spcPct val="150000"/>
+              </a:lnSpc>
+              <a:buFont typeface="Arial" panose="020B0604020202020204" pitchFamily="34" charset="0"/>
+              <a:buChar char="•"/>
+            </a:pPr>
+            <a:r>
+              <a:rPr lang="en-GB" sz="1800" b="1" dirty="0"/>
+              <a:t>Proposed System</a:t>
+            </a:r>
+            <a:r>
+              <a:rPr lang="en-GB" sz="1800" dirty="0"/>
+              <a:t>:</a:t>
+            </a:r>
+          </a:p>
+          <a:p>
+            <a:pPr marL="742950" lvl="1" indent="-285750">
+              <a:lnSpc>
+                <a:spcPct val="150000"/>
+              </a:lnSpc>
+              <a:buFont typeface="Arial" panose="020B0604020202020204" pitchFamily="34" charset="0"/>
+              <a:buChar char="•"/>
+            </a:pPr>
+            <a:r>
+              <a:rPr lang="en-GB" sz="1800" dirty="0"/>
+              <a:t>A </a:t>
+            </a:r>
+            <a:r>
+              <a:rPr lang="en-GB" sz="1800" b="1" dirty="0"/>
+              <a:t>web-based platform</a:t>
+            </a:r>
+            <a:r>
+              <a:rPr lang="en-GB" sz="1800" dirty="0"/>
+              <a:t> that predicts crop yield based on inputs like region, crop type, year, rainfall, temperature, and pesticide usage.</a:t>
+            </a:r>
+          </a:p>
+          <a:p>
+            <a:pPr marL="285750" indent="-285750">
+              <a:lnSpc>
+                <a:spcPct val="150000"/>
+              </a:lnSpc>
+              <a:buFont typeface="Arial" panose="020B0604020202020204" pitchFamily="34" charset="0"/>
+              <a:buChar char="•"/>
+            </a:pPr>
+            <a:r>
+              <a:rPr lang="en-GB" sz="1800" b="1" dirty="0"/>
+              <a:t>Flowchart</a:t>
+            </a:r>
+            <a:r>
+              <a:rPr lang="en-GB" sz="1800" dirty="0"/>
+              <a:t>:</a:t>
+            </a:r>
+          </a:p>
+        </p:txBody>
+      </p:sp>
+      <p:pic>
+        <p:nvPicPr>
+          <p:cNvPr id="10" name="Picture 9" descr="A diagram of a system&#10;&#10;Description automatically generated">
+            <a:extLst>
+              <a:ext uri="{FF2B5EF4-FFF2-40B4-BE49-F238E27FC236}">
+                <a16:creationId xmlns:a16="http://schemas.microsoft.com/office/drawing/2014/main" id="{291E9737-F69D-4EBD-3381-8120EA934CFB}"/>
+              </a:ext>
+            </a:extLst>
+          </p:cNvPr>
+          <p:cNvPicPr>
+            <a:picLocks noChangeAspect="1"/>
+          </p:cNvPicPr>
+          <p:nvPr/>
+        </p:nvPicPr>
+        <p:blipFill>
+          <a:blip r:embed="rId3">
+            <a:extLst>
+              <a:ext uri="{28A0092B-C50C-407E-A947-70E740481C1C}">
+                <a14:useLocalDpi xmlns:a14="http://schemas.microsoft.com/office/drawing/2010/main" val="0"/>
+              </a:ext>
+            </a:extLst>
+          </a:blip>
+          <a:stretch>
+            <a:fillRect/>
+          </a:stretch>
+        </p:blipFill>
+        <p:spPr>
+          <a:xfrm>
+            <a:off x="3505200" y="3124200"/>
+            <a:ext cx="4876800" cy="3504071"/>
+          </a:xfrm>
+          <a:prstGeom prst="rect">
+            <a:avLst/>
+          </a:prstGeom>
+        </p:spPr>
+      </p:pic>
     </p:spTree>
     <p:extLst>
       <p:ext uri="{BB962C8B-B14F-4D97-AF65-F5344CB8AC3E}">
-        <p14:creationId xmlns:p14="http://schemas.microsoft.com/office/powerpoint/2010/main" xmlns="" val="3659674305"/>
+        <p14:creationId xmlns:p14="http://schemas.microsoft.com/office/powerpoint/2010/main" val="3659674305"/>
       </p:ext>
     </p:extLst>
   </p:cSld>
   <p:clrMapOvr>
     <a:masterClrMapping/>
   </p:clrMapOvr>
-  <p:timing>
-    <p:tnLst>
-      <p:par>
-        <p:cTn id="1" dur="indefinite" restart="never" nodeType="tmRoot"/>
-      </p:par>
-    </p:tnLst>
-  </p:timing>
 </p:sld>
 </file>
 
@@ -6114,10 +6673,15 @@
           <a:lstStyle/>
           <a:p>
             <a:r>
-              <a:rPr lang="en-US" dirty="0" smtClean="0"/>
-              <a:t>Implementation Details</a:t>
-            </a:r>
-            <a:endParaRPr lang="en-US" dirty="0" smtClean="0"/>
+              <a:rPr lang="en-US" dirty="0">
+                <a:latin typeface="+mn-lt"/>
+              </a:rPr>
+              <a:t>Implementation</a:t>
+            </a:r>
+            <a:r>
+              <a:rPr lang="en-US" dirty="0"/>
+              <a:t> Details</a:t>
+            </a:r>
           </a:p>
         </p:txBody>
       </p:sp>
@@ -6242,50 +6806,478 @@
       </p:pic>
       <p:sp>
         <p:nvSpPr>
-          <p:cNvPr id="7" name="Content Placeholder 11"/>
+          <p:cNvPr id="3" name="Content Placeholder 2">
+            <a:extLst>
+              <a:ext uri="{FF2B5EF4-FFF2-40B4-BE49-F238E27FC236}">
+                <a16:creationId xmlns:a16="http://schemas.microsoft.com/office/drawing/2014/main" id="{7F317DF9-BD2E-CC5F-06AD-E0F69FFBB9F5}"/>
+              </a:ext>
+            </a:extLst>
+          </p:cNvPr>
           <p:cNvSpPr>
-            <a:spLocks noGrp="1"/>
+            <a:spLocks noGrp="1" noChangeArrowheads="1"/>
           </p:cNvSpPr>
           <p:nvPr>
             <p:ph idx="1"/>
           </p:nvPr>
         </p:nvSpPr>
-        <p:spPr>
+        <p:spPr bwMode="auto">
           <a:xfrm>
-            <a:off x="1905000" y="1371600"/>
-            <a:ext cx="6629400" cy="533400"/>
+            <a:off x="1712259" y="1141672"/>
+            <a:ext cx="7010400" cy="5355312"/>
           </a:xfrm>
+          <a:prstGeom prst="rect">
+            <a:avLst/>
+          </a:prstGeom>
+          <a:noFill/>
+          <a:ln>
+            <a:noFill/>
+          </a:ln>
+          <a:effectLst/>
+          <a:extLst>
+            <a:ext uri="{909E8E84-426E-40DD-AFC4-6F175D3DCCD1}">
+              <a14:hiddenFill xmlns:a14="http://schemas.microsoft.com/office/drawing/2010/main">
+                <a:solidFill>
+                  <a:schemeClr val="accent1"/>
+                </a:solidFill>
+              </a14:hiddenFill>
+            </a:ext>
+            <a:ext uri="{91240B29-F687-4F45-9708-019B960494DF}">
+              <a14:hiddenLine xmlns:a14="http://schemas.microsoft.com/office/drawing/2010/main" w="9525">
+                <a:solidFill>
+                  <a:schemeClr val="tx1"/>
+                </a:solidFill>
+                <a:miter lim="800000"/>
+                <a:headEnd/>
+                <a:tailEnd/>
+              </a14:hiddenLine>
+            </a:ext>
+            <a:ext uri="{AF507438-7753-43E0-B8FC-AC1667EBCBE1}">
+              <a14:hiddenEffects xmlns:a14="http://schemas.microsoft.com/office/drawing/2010/main">
+                <a:effectLst>
+                  <a:outerShdw dist="35921" dir="2700000" algn="ctr" rotWithShape="0">
+                    <a:schemeClr val="bg2"/>
+                  </a:outerShdw>
+                </a:effectLst>
+              </a14:hiddenEffects>
+            </a:ext>
+          </a:extLst>
         </p:spPr>
         <p:txBody>
-          <a:bodyPr/>
+          <a:bodyPr vert="horz" wrap="square" lIns="91440" tIns="45720" rIns="91440" bIns="45720" numCol="1" anchor="ctr" anchorCtr="0" compatLnSpc="1">
+            <a:prstTxWarp prst="textNoShape">
+              <a:avLst/>
+            </a:prstTxWarp>
+            <a:spAutoFit/>
+          </a:bodyPr>
           <a:lstStyle/>
           <a:p>
-            <a:pPr algn="just"/>
-            <a:r>
-              <a:rPr lang="en-US" sz="2400" dirty="0" smtClean="0"/>
-              <a:t>In implementation details, we need to discuss about the techniques, framework, software &amp; hardware requirements and many more.</a:t>
-            </a:r>
-            <a:endParaRPr lang="en-IN" sz="2400" dirty="0" smtClean="0"/>
+            <a:pPr marL="285750" marR="0" lvl="0" indent="-285750" algn="l" defTabSz="914400" rtl="0" eaLnBrk="0" fontAlgn="base" latinLnBrk="0" hangingPunct="0">
+              <a:lnSpc>
+                <a:spcPct val="150000"/>
+              </a:lnSpc>
+              <a:spcBef>
+                <a:spcPct val="0"/>
+              </a:spcBef>
+              <a:spcAft>
+                <a:spcPct val="0"/>
+              </a:spcAft>
+              <a:buClrTx/>
+              <a:buSzTx/>
+              <a:buFont typeface="Arial" panose="020B0604020202020204" pitchFamily="34" charset="0"/>
+              <a:buChar char="•"/>
+              <a:tabLst/>
+            </a:pPr>
+            <a:r>
+              <a:rPr kumimoji="0" lang="en-US" altLang="en-US" sz="1800" b="1" i="0" u="none" strike="noStrike" cap="none" normalizeH="0" baseline="0" dirty="0">
+                <a:ln>
+                  <a:noFill/>
+                </a:ln>
+                <a:solidFill>
+                  <a:schemeClr val="tx1"/>
+                </a:solidFill>
+                <a:effectLst/>
+              </a:rPr>
+              <a:t>Techniques Used</a:t>
+            </a:r>
+            <a:r>
+              <a:rPr kumimoji="0" lang="en-US" altLang="en-US" sz="1800" b="0" i="0" u="none" strike="noStrike" cap="none" normalizeH="0" baseline="0" dirty="0">
+                <a:ln>
+                  <a:noFill/>
+                </a:ln>
+                <a:solidFill>
+                  <a:schemeClr val="tx1"/>
+                </a:solidFill>
+                <a:effectLst/>
+              </a:rPr>
+              <a:t>:</a:t>
+            </a:r>
+          </a:p>
+          <a:p>
+            <a:pPr marL="1028700" lvl="1" eaLnBrk="0" fontAlgn="base" latinLnBrk="0" hangingPunct="0">
+              <a:lnSpc>
+                <a:spcPct val="150000"/>
+              </a:lnSpc>
+              <a:spcBef>
+                <a:spcPct val="0"/>
+              </a:spcBef>
+              <a:spcAft>
+                <a:spcPct val="0"/>
+              </a:spcAft>
+              <a:buFont typeface="Arial" panose="020B0604020202020204" pitchFamily="34" charset="0"/>
+              <a:buChar char="•"/>
+            </a:pPr>
+            <a:r>
+              <a:rPr kumimoji="0" lang="en-US" altLang="en-US" sz="1800" b="1" i="0" u="none" strike="noStrike" cap="none" normalizeH="0" baseline="0" dirty="0">
+                <a:ln>
+                  <a:noFill/>
+                </a:ln>
+                <a:solidFill>
+                  <a:schemeClr val="tx1"/>
+                </a:solidFill>
+                <a:effectLst/>
+              </a:rPr>
+              <a:t>Machine Learning Model</a:t>
+            </a:r>
+            <a:r>
+              <a:rPr kumimoji="0" lang="en-US" altLang="en-US" sz="1800" b="0" i="0" u="none" strike="noStrike" cap="none" normalizeH="0" baseline="0" dirty="0">
+                <a:ln>
+                  <a:noFill/>
+                </a:ln>
+                <a:solidFill>
+                  <a:schemeClr val="tx1"/>
+                </a:solidFill>
+                <a:effectLst/>
+              </a:rPr>
+              <a:t>: Random Forest Regressor for yield prediction.</a:t>
+            </a:r>
+          </a:p>
+          <a:p>
+            <a:pPr marL="1028700" lvl="1" eaLnBrk="0" fontAlgn="base" latinLnBrk="0" hangingPunct="0">
+              <a:lnSpc>
+                <a:spcPct val="150000"/>
+              </a:lnSpc>
+              <a:spcBef>
+                <a:spcPct val="0"/>
+              </a:spcBef>
+              <a:spcAft>
+                <a:spcPct val="0"/>
+              </a:spcAft>
+              <a:buFont typeface="Arial" panose="020B0604020202020204" pitchFamily="34" charset="0"/>
+              <a:buChar char="•"/>
+            </a:pPr>
+            <a:r>
+              <a:rPr kumimoji="0" lang="en-US" altLang="en-US" sz="1800" b="1" i="0" u="none" strike="noStrike" cap="none" normalizeH="0" baseline="0" dirty="0">
+                <a:ln>
+                  <a:noFill/>
+                </a:ln>
+                <a:solidFill>
+                  <a:schemeClr val="tx1"/>
+                </a:solidFill>
+                <a:effectLst/>
+              </a:rPr>
+              <a:t>Categorical Data Encoding</a:t>
+            </a:r>
+            <a:r>
+              <a:rPr kumimoji="0" lang="en-US" altLang="en-US" sz="1800" b="0" i="0" u="none" strike="noStrike" cap="none" normalizeH="0" baseline="0" dirty="0">
+                <a:ln>
+                  <a:noFill/>
+                </a:ln>
+                <a:solidFill>
+                  <a:schemeClr val="tx1"/>
+                </a:solidFill>
+                <a:effectLst/>
+              </a:rPr>
+              <a:t>: </a:t>
+            </a:r>
+            <a:r>
+              <a:rPr kumimoji="0" lang="en-US" altLang="en-US" sz="1800" b="0" i="0" u="none" strike="noStrike" cap="none" normalizeH="0" baseline="0" dirty="0" err="1">
+                <a:ln>
+                  <a:noFill/>
+                </a:ln>
+                <a:solidFill>
+                  <a:schemeClr val="tx1"/>
+                </a:solidFill>
+                <a:effectLst/>
+              </a:rPr>
+              <a:t>OrdinalEncoder</a:t>
+            </a:r>
+            <a:r>
+              <a:rPr kumimoji="0" lang="en-US" altLang="en-US" sz="1800" b="0" i="0" u="none" strike="noStrike" cap="none" normalizeH="0" baseline="0" dirty="0">
+                <a:ln>
+                  <a:noFill/>
+                </a:ln>
+                <a:solidFill>
+                  <a:schemeClr val="tx1"/>
+                </a:solidFill>
+                <a:effectLst/>
+              </a:rPr>
+              <a:t> for region and crop type.</a:t>
+            </a:r>
+          </a:p>
+          <a:p>
+            <a:pPr marL="1028700" lvl="1" eaLnBrk="0" fontAlgn="base" latinLnBrk="0" hangingPunct="0">
+              <a:lnSpc>
+                <a:spcPct val="150000"/>
+              </a:lnSpc>
+              <a:spcBef>
+                <a:spcPct val="0"/>
+              </a:spcBef>
+              <a:spcAft>
+                <a:spcPct val="0"/>
+              </a:spcAft>
+              <a:buFont typeface="Arial" panose="020B0604020202020204" pitchFamily="34" charset="0"/>
+              <a:buChar char="•"/>
+            </a:pPr>
+            <a:r>
+              <a:rPr kumimoji="0" lang="en-US" altLang="en-US" sz="1800" b="1" i="0" u="none" strike="noStrike" cap="none" normalizeH="0" baseline="0" dirty="0">
+                <a:ln>
+                  <a:noFill/>
+                </a:ln>
+                <a:solidFill>
+                  <a:schemeClr val="tx1"/>
+                </a:solidFill>
+                <a:effectLst/>
+              </a:rPr>
+              <a:t>Frameworks &amp; Tools</a:t>
+            </a:r>
+            <a:r>
+              <a:rPr kumimoji="0" lang="en-US" altLang="en-US" sz="1800" b="0" i="0" u="none" strike="noStrike" cap="none" normalizeH="0" baseline="0" dirty="0">
+                <a:ln>
+                  <a:noFill/>
+                </a:ln>
+                <a:solidFill>
+                  <a:schemeClr val="tx1"/>
+                </a:solidFill>
+                <a:effectLst/>
+              </a:rPr>
+              <a:t>:</a:t>
+            </a:r>
+          </a:p>
+          <a:p>
+            <a:pPr marL="1028700" lvl="1" eaLnBrk="0" fontAlgn="base" latinLnBrk="0" hangingPunct="0">
+              <a:lnSpc>
+                <a:spcPct val="150000"/>
+              </a:lnSpc>
+              <a:spcBef>
+                <a:spcPct val="0"/>
+              </a:spcBef>
+              <a:spcAft>
+                <a:spcPct val="0"/>
+              </a:spcAft>
+              <a:buFont typeface="Arial" panose="020B0604020202020204" pitchFamily="34" charset="0"/>
+              <a:buChar char="•"/>
+            </a:pPr>
+            <a:r>
+              <a:rPr kumimoji="0" lang="en-US" altLang="en-US" sz="1800" b="0" i="0" u="none" strike="noStrike" cap="none" normalizeH="0" baseline="0" dirty="0">
+                <a:ln>
+                  <a:noFill/>
+                </a:ln>
+                <a:solidFill>
+                  <a:schemeClr val="tx1"/>
+                </a:solidFill>
+                <a:effectLst/>
+              </a:rPr>
+              <a:t>Python, Scikit-learn, Flask, Pickle (model serialization).</a:t>
+            </a:r>
+          </a:p>
+          <a:p>
+            <a:pPr marL="1028700" lvl="1" eaLnBrk="0" fontAlgn="base" latinLnBrk="0" hangingPunct="0">
+              <a:lnSpc>
+                <a:spcPct val="150000"/>
+              </a:lnSpc>
+              <a:spcBef>
+                <a:spcPct val="0"/>
+              </a:spcBef>
+              <a:spcAft>
+                <a:spcPct val="0"/>
+              </a:spcAft>
+              <a:buFont typeface="Arial" panose="020B0604020202020204" pitchFamily="34" charset="0"/>
+              <a:buChar char="•"/>
+            </a:pPr>
+            <a:r>
+              <a:rPr kumimoji="0" lang="en-US" altLang="en-US" sz="1800" b="0" i="0" u="none" strike="noStrike" cap="none" normalizeH="0" baseline="0" dirty="0">
+                <a:ln>
+                  <a:noFill/>
+                </a:ln>
+                <a:solidFill>
+                  <a:schemeClr val="tx1"/>
+                </a:solidFill>
+                <a:effectLst/>
+              </a:rPr>
+              <a:t>Frontend: HTML, CSS, JavaScript.</a:t>
+            </a:r>
+          </a:p>
+          <a:p>
+            <a:pPr marL="1028700" lvl="1" eaLnBrk="0" fontAlgn="base" latinLnBrk="0" hangingPunct="0">
+              <a:lnSpc>
+                <a:spcPct val="150000"/>
+              </a:lnSpc>
+              <a:spcBef>
+                <a:spcPct val="0"/>
+              </a:spcBef>
+              <a:spcAft>
+                <a:spcPct val="0"/>
+              </a:spcAft>
+              <a:buFont typeface="Arial" panose="020B0604020202020204" pitchFamily="34" charset="0"/>
+              <a:buChar char="•"/>
+            </a:pPr>
+            <a:r>
+              <a:rPr kumimoji="0" lang="en-US" altLang="en-US" sz="1800" b="1" i="0" u="none" strike="noStrike" cap="none" normalizeH="0" baseline="0" dirty="0">
+                <a:ln>
+                  <a:noFill/>
+                </a:ln>
+                <a:solidFill>
+                  <a:schemeClr val="tx1"/>
+                </a:solidFill>
+                <a:effectLst/>
+              </a:rPr>
+              <a:t>Software Requirements</a:t>
+            </a:r>
+            <a:r>
+              <a:rPr kumimoji="0" lang="en-US" altLang="en-US" sz="1800" b="0" i="0" u="none" strike="noStrike" cap="none" normalizeH="0" baseline="0" dirty="0">
+                <a:ln>
+                  <a:noFill/>
+                </a:ln>
+                <a:solidFill>
+                  <a:schemeClr val="tx1"/>
+                </a:solidFill>
+                <a:effectLst/>
+              </a:rPr>
+              <a:t>:</a:t>
+            </a:r>
+          </a:p>
+          <a:p>
+            <a:pPr marL="1028700" lvl="1" eaLnBrk="0" fontAlgn="base" latinLnBrk="0" hangingPunct="0">
+              <a:lnSpc>
+                <a:spcPct val="150000"/>
+              </a:lnSpc>
+              <a:spcBef>
+                <a:spcPct val="0"/>
+              </a:spcBef>
+              <a:spcAft>
+                <a:spcPct val="0"/>
+              </a:spcAft>
+              <a:buFont typeface="Arial" panose="020B0604020202020204" pitchFamily="34" charset="0"/>
+              <a:buChar char="•"/>
+            </a:pPr>
+            <a:r>
+              <a:rPr kumimoji="0" lang="en-US" altLang="en-US" sz="1800" b="0" i="0" u="none" strike="noStrike" cap="none" normalizeH="0" baseline="0" dirty="0">
+                <a:ln>
+                  <a:noFill/>
+                </a:ln>
+                <a:solidFill>
+                  <a:schemeClr val="tx1"/>
+                </a:solidFill>
+                <a:effectLst/>
+              </a:rPr>
+              <a:t>Python 3.9+, Flask, and compatible web browsers.</a:t>
+            </a:r>
+          </a:p>
+          <a:p>
+            <a:pPr marL="1028700" lvl="1" eaLnBrk="0" fontAlgn="base" latinLnBrk="0" hangingPunct="0">
+              <a:lnSpc>
+                <a:spcPct val="150000"/>
+              </a:lnSpc>
+              <a:spcBef>
+                <a:spcPct val="0"/>
+              </a:spcBef>
+              <a:spcAft>
+                <a:spcPct val="0"/>
+              </a:spcAft>
+              <a:buFont typeface="Arial" panose="020B0604020202020204" pitchFamily="34" charset="0"/>
+              <a:buChar char="•"/>
+            </a:pPr>
+            <a:r>
+              <a:rPr kumimoji="0" lang="en-US" altLang="en-US" sz="1800" b="1" i="0" u="none" strike="noStrike" cap="none" normalizeH="0" baseline="0" dirty="0">
+                <a:ln>
+                  <a:noFill/>
+                </a:ln>
+                <a:solidFill>
+                  <a:schemeClr val="tx1"/>
+                </a:solidFill>
+                <a:effectLst/>
+              </a:rPr>
+              <a:t>Hardware Requirements</a:t>
+            </a:r>
+            <a:r>
+              <a:rPr kumimoji="0" lang="en-US" altLang="en-US" sz="1800" b="0" i="0" u="none" strike="noStrike" cap="none" normalizeH="0" baseline="0" dirty="0">
+                <a:ln>
+                  <a:noFill/>
+                </a:ln>
+                <a:solidFill>
+                  <a:schemeClr val="tx1"/>
+                </a:solidFill>
+                <a:effectLst/>
+              </a:rPr>
+              <a:t>:</a:t>
+            </a:r>
+          </a:p>
+          <a:p>
+            <a:pPr marL="1028700" lvl="1" eaLnBrk="0" fontAlgn="base" latinLnBrk="0" hangingPunct="0">
+              <a:lnSpc>
+                <a:spcPct val="150000"/>
+              </a:lnSpc>
+              <a:spcBef>
+                <a:spcPct val="0"/>
+              </a:spcBef>
+              <a:spcAft>
+                <a:spcPct val="0"/>
+              </a:spcAft>
+              <a:buFont typeface="Arial" panose="020B0604020202020204" pitchFamily="34" charset="0"/>
+              <a:buChar char="•"/>
+            </a:pPr>
+            <a:r>
+              <a:rPr kumimoji="0" lang="en-US" altLang="en-US" sz="1800" b="0" i="0" u="none" strike="noStrike" cap="none" normalizeH="0" baseline="0" dirty="0">
+                <a:ln>
+                  <a:noFill/>
+                </a:ln>
+                <a:solidFill>
+                  <a:schemeClr val="tx1"/>
+                </a:solidFill>
+                <a:effectLst/>
+              </a:rPr>
+              <a:t>Minimum 4GB RAM and 20GB storage.</a:t>
+            </a:r>
+          </a:p>
+          <a:p>
+            <a:pPr marL="0" marR="0" lvl="0" indent="0" algn="l" defTabSz="914400" rtl="0" eaLnBrk="0" fontAlgn="base" latinLnBrk="0" hangingPunct="0">
+              <a:lnSpc>
+                <a:spcPct val="100000"/>
+              </a:lnSpc>
+              <a:spcBef>
+                <a:spcPct val="0"/>
+              </a:spcBef>
+              <a:spcAft>
+                <a:spcPct val="0"/>
+              </a:spcAft>
+              <a:buClrTx/>
+              <a:buSzTx/>
+              <a:buFontTx/>
+              <a:buNone/>
+              <a:tabLst/>
+            </a:pPr>
+            <a:endParaRPr kumimoji="0" lang="en-US" altLang="en-US" sz="1800" b="0" i="0" u="none" strike="noStrike" cap="none" normalizeH="0" baseline="0" dirty="0">
+              <a:ln>
+                <a:noFill/>
+              </a:ln>
+              <a:solidFill>
+                <a:schemeClr val="tx1"/>
+              </a:solidFill>
+              <a:effectLst/>
+            </a:endParaRPr>
           </a:p>
         </p:txBody>
       </p:sp>
     </p:spTree>
     <p:extLst>
       <p:ext uri="{BB962C8B-B14F-4D97-AF65-F5344CB8AC3E}">
-        <p14:creationId xmlns:p14="http://schemas.microsoft.com/office/powerpoint/2010/main" xmlns="" val="3659674305"/>
+        <p14:creationId xmlns:p14="http://schemas.microsoft.com/office/powerpoint/2010/main" val="3659674305"/>
       </p:ext>
     </p:extLst>
   </p:cSld>
   <p:clrMapOvr>
     <a:masterClrMapping/>
   </p:clrMapOvr>
-  <p:timing>
-    <p:tnLst>
-      <p:par>
-        <p:cTn id="1" dur="indefinite" restart="never" nodeType="tmRoot"/>
-      </p:par>
-    </p:tnLst>
-  </p:timing>
 </p:sld>
 </file>
 
@@ -6322,10 +7314,15 @@
           <a:lstStyle/>
           <a:p>
             <a:r>
-              <a:rPr lang="en-US" dirty="0" smtClean="0"/>
-              <a:t>Result/Expected Outcomes</a:t>
-            </a:r>
-            <a:endParaRPr lang="en-US" dirty="0" smtClean="0"/>
+              <a:rPr lang="en-US" dirty="0">
+                <a:latin typeface="+mn-lt"/>
+              </a:rPr>
+              <a:t>Result</a:t>
+            </a:r>
+            <a:r>
+              <a:rPr lang="en-US" dirty="0"/>
+              <a:t>/Expected Outcomes</a:t>
+            </a:r>
           </a:p>
         </p:txBody>
       </p:sp>
@@ -6448,52 +7445,99 @@
           <a:noFill/>
         </p:spPr>
       </p:pic>
-      <p:sp>
-        <p:nvSpPr>
-          <p:cNvPr id="7" name="Content Placeholder 11"/>
-          <p:cNvSpPr>
-            <a:spLocks noGrp="1"/>
-          </p:cNvSpPr>
-          <p:nvPr>
-            <p:ph idx="1"/>
-          </p:nvPr>
-        </p:nvSpPr>
+      <p:pic>
+        <p:nvPicPr>
+          <p:cNvPr id="6" name="Picture 5" descr="A screenshot of a computer screen&#10;&#10;Description automatically generated">
+            <a:extLst>
+              <a:ext uri="{FF2B5EF4-FFF2-40B4-BE49-F238E27FC236}">
+                <a16:creationId xmlns:a16="http://schemas.microsoft.com/office/drawing/2014/main" id="{6B8B8495-C083-0FDE-4A2F-24DC4569F1D4}"/>
+              </a:ext>
+            </a:extLst>
+          </p:cNvPr>
+          <p:cNvPicPr>
+            <a:picLocks noChangeAspect="1"/>
+          </p:cNvPicPr>
+          <p:nvPr/>
+        </p:nvPicPr>
+        <p:blipFill>
+          <a:blip r:embed="rId3">
+            <a:extLst>
+              <a:ext uri="{28A0092B-C50C-407E-A947-70E740481C1C}">
+                <a14:useLocalDpi xmlns:a14="http://schemas.microsoft.com/office/drawing/2010/main" val="0"/>
+              </a:ext>
+            </a:extLst>
+          </a:blip>
+          <a:stretch>
+            <a:fillRect/>
+          </a:stretch>
+        </p:blipFill>
         <p:spPr>
           <a:xfrm>
-            <a:off x="1905000" y="1600200"/>
-            <a:ext cx="6629400" cy="533400"/>
+            <a:off x="1676400" y="1295400"/>
+            <a:ext cx="7291066" cy="3677890"/>
           </a:xfrm>
+          <a:prstGeom prst="roundRect">
+            <a:avLst>
+              <a:gd name="adj" fmla="val 8594"/>
+            </a:avLst>
+          </a:prstGeom>
+          <a:solidFill>
+            <a:srgbClr val="FFFFFF">
+              <a:shade val="85000"/>
+            </a:srgbClr>
+          </a:solidFill>
+          <a:ln>
+            <a:noFill/>
+          </a:ln>
+          <a:effectLst/>
         </p:spPr>
-        <p:txBody>
-          <a:bodyPr/>
+      </p:pic>
+      <p:sp>
+        <p:nvSpPr>
+          <p:cNvPr id="7" name="TextBox 6">
+            <a:extLst>
+              <a:ext uri="{FF2B5EF4-FFF2-40B4-BE49-F238E27FC236}">
+                <a16:creationId xmlns:a16="http://schemas.microsoft.com/office/drawing/2014/main" id="{181AB9C7-BD99-FC04-17B2-6A24207A31A6}"/>
+              </a:ext>
+            </a:extLst>
+          </p:cNvPr>
+          <p:cNvSpPr txBox="1"/>
+          <p:nvPr/>
+        </p:nvSpPr>
+        <p:spPr>
+          <a:xfrm>
+            <a:off x="4267200" y="5014510"/>
+            <a:ext cx="1327543" cy="369332"/>
+          </a:xfrm>
+          <a:prstGeom prst="rect">
+            <a:avLst/>
+          </a:prstGeom>
+          <a:noFill/>
+        </p:spPr>
+        <p:txBody>
+          <a:bodyPr wrap="none" rtlCol="0">
+            <a:spAutoFit/>
+          </a:bodyPr>
           <a:lstStyle/>
           <a:p>
-            <a:pPr algn="just"/>
-            <a:r>
-              <a:rPr lang="en-US" sz="2400" dirty="0" smtClean="0"/>
-              <a:t>In result outcomes, we need to discuss about the result obtained by the project along with the screenshots. Accuracy, precision or any     other parameters can be discussed here. </a:t>
-            </a:r>
-            <a:endParaRPr lang="en-IN" sz="2400" dirty="0" smtClean="0"/>
+            <a:r>
+              <a:rPr lang="en-GB" dirty="0"/>
+              <a:t>Screenshot</a:t>
+            </a:r>
+            <a:endParaRPr lang="en-IN" dirty="0"/>
           </a:p>
         </p:txBody>
       </p:sp>
     </p:spTree>
     <p:extLst>
       <p:ext uri="{BB962C8B-B14F-4D97-AF65-F5344CB8AC3E}">
-        <p14:creationId xmlns:p14="http://schemas.microsoft.com/office/powerpoint/2010/main" xmlns="" val="3659674305"/>
+        <p14:creationId xmlns:p14="http://schemas.microsoft.com/office/powerpoint/2010/main" val="3659674305"/>
       </p:ext>
     </p:extLst>
   </p:cSld>
   <p:clrMapOvr>
     <a:masterClrMapping/>
   </p:clrMapOvr>
-  <p:timing>
-    <p:tnLst>
-      <p:par>
-        <p:cTn id="1" dur="indefinite" restart="never" nodeType="tmRoot"/>
-      </p:par>
-    </p:tnLst>
-  </p:timing>
 </p:sld>
 </file>
 
@@ -6530,10 +7574,11 @@
           <a:lstStyle/>
           <a:p>
             <a:r>
-              <a:rPr lang="en-US" dirty="0" smtClean="0"/>
+              <a:rPr lang="en-US" dirty="0">
+                <a:latin typeface="+mn-lt"/>
+              </a:rPr>
               <a:t>Conclusion</a:t>
             </a:r>
-            <a:endParaRPr lang="en-US" dirty="0" smtClean="0"/>
           </a:p>
         </p:txBody>
       </p:sp>
@@ -6658,50 +7703,250 @@
       </p:pic>
       <p:sp>
         <p:nvSpPr>
-          <p:cNvPr id="7" name="Content Placeholder 11"/>
+          <p:cNvPr id="2" name="Content Placeholder 1">
+            <a:extLst>
+              <a:ext uri="{FF2B5EF4-FFF2-40B4-BE49-F238E27FC236}">
+                <a16:creationId xmlns:a16="http://schemas.microsoft.com/office/drawing/2014/main" id="{31E36E66-679D-7FF0-3EF0-F794F59A504A}"/>
+              </a:ext>
+            </a:extLst>
+          </p:cNvPr>
           <p:cNvSpPr>
-            <a:spLocks noGrp="1"/>
+            <a:spLocks noGrp="1" noChangeArrowheads="1"/>
           </p:cNvSpPr>
           <p:nvPr>
             <p:ph idx="1"/>
           </p:nvPr>
         </p:nvSpPr>
-        <p:spPr>
+        <p:spPr bwMode="auto">
           <a:xfrm>
-            <a:off x="1905000" y="1600200"/>
-            <a:ext cx="6629400" cy="533400"/>
+            <a:off x="1828800" y="1141672"/>
+            <a:ext cx="6705600" cy="4193777"/>
           </a:xfrm>
+          <a:prstGeom prst="rect">
+            <a:avLst/>
+          </a:prstGeom>
+          <a:noFill/>
+          <a:ln>
+            <a:noFill/>
+          </a:ln>
+          <a:effectLst/>
+          <a:extLst>
+            <a:ext uri="{909E8E84-426E-40DD-AFC4-6F175D3DCCD1}">
+              <a14:hiddenFill xmlns:a14="http://schemas.microsoft.com/office/drawing/2010/main">
+                <a:solidFill>
+                  <a:schemeClr val="accent1"/>
+                </a:solidFill>
+              </a14:hiddenFill>
+            </a:ext>
+            <a:ext uri="{91240B29-F687-4F45-9708-019B960494DF}">
+              <a14:hiddenLine xmlns:a14="http://schemas.microsoft.com/office/drawing/2010/main" w="9525">
+                <a:solidFill>
+                  <a:schemeClr val="tx1"/>
+                </a:solidFill>
+                <a:miter lim="800000"/>
+                <a:headEnd/>
+                <a:tailEnd/>
+              </a14:hiddenLine>
+            </a:ext>
+            <a:ext uri="{AF507438-7753-43E0-B8FC-AC1667EBCBE1}">
+              <a14:hiddenEffects xmlns:a14="http://schemas.microsoft.com/office/drawing/2010/main">
+                <a:effectLst>
+                  <a:outerShdw dist="35921" dir="2700000" algn="ctr" rotWithShape="0">
+                    <a:schemeClr val="bg2"/>
+                  </a:outerShdw>
+                </a:effectLst>
+              </a14:hiddenEffects>
+            </a:ext>
+          </a:extLst>
         </p:spPr>
         <p:txBody>
-          <a:bodyPr/>
+          <a:bodyPr vert="horz" wrap="square" lIns="91440" tIns="45720" rIns="91440" bIns="45720" numCol="1" anchor="ctr" anchorCtr="0" compatLnSpc="1">
+            <a:prstTxWarp prst="textNoShape">
+              <a:avLst/>
+            </a:prstTxWarp>
+            <a:spAutoFit/>
+          </a:bodyPr>
           <a:lstStyle/>
           <a:p>
-            <a:pPr algn="just"/>
-            <a:r>
-              <a:rPr lang="en-US" sz="2400" dirty="0" smtClean="0"/>
-              <a:t>In conclusion, we need to conclude the        problem identification, objectives, proposed   work and the result of the project in 4-5 lines. </a:t>
-            </a:r>
-            <a:endParaRPr lang="en-IN" sz="2400" dirty="0" smtClean="0"/>
+            <a:pPr marL="285750" marR="0" lvl="0" indent="-285750" algn="l" defTabSz="914400" rtl="0" eaLnBrk="0" fontAlgn="base" latinLnBrk="0" hangingPunct="0">
+              <a:lnSpc>
+                <a:spcPct val="150000"/>
+              </a:lnSpc>
+              <a:spcBef>
+                <a:spcPct val="0"/>
+              </a:spcBef>
+              <a:spcAft>
+                <a:spcPct val="0"/>
+              </a:spcAft>
+              <a:buClrTx/>
+              <a:buSzTx/>
+              <a:buFont typeface="Arial" panose="020B0604020202020204" pitchFamily="34" charset="0"/>
+              <a:buChar char="•"/>
+              <a:tabLst/>
+            </a:pPr>
+            <a:r>
+              <a:rPr kumimoji="0" lang="en-US" altLang="en-US" sz="1800" b="0" i="0" u="none" strike="noStrike" cap="none" normalizeH="0" baseline="0" dirty="0">
+                <a:ln>
+                  <a:noFill/>
+                </a:ln>
+                <a:solidFill>
+                  <a:schemeClr val="tx1"/>
+                </a:solidFill>
+                <a:effectLst/>
+              </a:rPr>
+              <a:t>The </a:t>
+            </a:r>
+            <a:r>
+              <a:rPr kumimoji="0" lang="en-US" altLang="en-US" sz="1800" b="1" i="0" u="none" strike="noStrike" cap="none" normalizeH="0" baseline="0" dirty="0">
+                <a:ln>
+                  <a:noFill/>
+                </a:ln>
+                <a:solidFill>
+                  <a:schemeClr val="tx1"/>
+                </a:solidFill>
+                <a:effectLst/>
+              </a:rPr>
+              <a:t>Crop Yield Prediction System</a:t>
+            </a:r>
+            <a:r>
+              <a:rPr kumimoji="0" lang="en-US" altLang="en-US" sz="1800" b="0" i="0" u="none" strike="noStrike" cap="none" normalizeH="0" baseline="0" dirty="0">
+                <a:ln>
+                  <a:noFill/>
+                </a:ln>
+                <a:solidFill>
+                  <a:schemeClr val="tx1"/>
+                </a:solidFill>
+                <a:effectLst/>
+              </a:rPr>
+              <a:t> demonstrates how machine learning can optimize agricultural practices.</a:t>
+            </a:r>
+          </a:p>
+          <a:p>
+            <a:pPr marL="285750" marR="0" lvl="0" indent="-285750" algn="l" defTabSz="914400" rtl="0" eaLnBrk="0" fontAlgn="base" latinLnBrk="0" hangingPunct="0">
+              <a:lnSpc>
+                <a:spcPct val="150000"/>
+              </a:lnSpc>
+              <a:spcBef>
+                <a:spcPct val="0"/>
+              </a:spcBef>
+              <a:spcAft>
+                <a:spcPct val="0"/>
+              </a:spcAft>
+              <a:buClrTx/>
+              <a:buSzTx/>
+              <a:buFont typeface="Arial" panose="020B0604020202020204" pitchFamily="34" charset="0"/>
+              <a:buChar char="•"/>
+              <a:tabLst/>
+            </a:pPr>
+            <a:endParaRPr kumimoji="0" lang="en-US" altLang="en-US" sz="1800" b="0" i="0" u="none" strike="noStrike" cap="none" normalizeH="0" baseline="0" dirty="0">
+              <a:ln>
+                <a:noFill/>
+              </a:ln>
+              <a:solidFill>
+                <a:schemeClr val="tx1"/>
+              </a:solidFill>
+              <a:effectLst/>
+            </a:endParaRPr>
+          </a:p>
+          <a:p>
+            <a:pPr marL="285750" marR="0" lvl="0" indent="-285750" algn="l" defTabSz="914400" rtl="0" eaLnBrk="0" fontAlgn="base" latinLnBrk="0" hangingPunct="0">
+              <a:lnSpc>
+                <a:spcPct val="150000"/>
+              </a:lnSpc>
+              <a:spcBef>
+                <a:spcPct val="0"/>
+              </a:spcBef>
+              <a:spcAft>
+                <a:spcPct val="0"/>
+              </a:spcAft>
+              <a:buClrTx/>
+              <a:buSzTx/>
+              <a:buFont typeface="Arial" panose="020B0604020202020204" pitchFamily="34" charset="0"/>
+              <a:buChar char="•"/>
+              <a:tabLst/>
+            </a:pPr>
+            <a:r>
+              <a:rPr kumimoji="0" lang="en-US" altLang="en-US" sz="1800" b="0" i="0" u="none" strike="noStrike" cap="none" normalizeH="0" baseline="0" dirty="0">
+                <a:ln>
+                  <a:noFill/>
+                </a:ln>
+                <a:solidFill>
+                  <a:schemeClr val="tx1"/>
+                </a:solidFill>
+                <a:effectLst/>
+              </a:rPr>
+              <a:t>By accurately predicting crop yields, the system helps farmers allocate resources effectively and plan cultivation strategies.</a:t>
+            </a:r>
+          </a:p>
+          <a:p>
+            <a:pPr marL="285750" marR="0" lvl="0" indent="-285750" algn="l" defTabSz="914400" rtl="0" eaLnBrk="0" fontAlgn="base" latinLnBrk="0" hangingPunct="0">
+              <a:lnSpc>
+                <a:spcPct val="150000"/>
+              </a:lnSpc>
+              <a:spcBef>
+                <a:spcPct val="0"/>
+              </a:spcBef>
+              <a:spcAft>
+                <a:spcPct val="0"/>
+              </a:spcAft>
+              <a:buClrTx/>
+              <a:buSzTx/>
+              <a:buFont typeface="Arial" panose="020B0604020202020204" pitchFamily="34" charset="0"/>
+              <a:buChar char="•"/>
+              <a:tabLst/>
+            </a:pPr>
+            <a:endParaRPr kumimoji="0" lang="en-US" altLang="en-US" sz="1800" b="0" i="0" u="none" strike="noStrike" cap="none" normalizeH="0" baseline="0" dirty="0">
+              <a:ln>
+                <a:noFill/>
+              </a:ln>
+              <a:solidFill>
+                <a:schemeClr val="tx1"/>
+              </a:solidFill>
+              <a:effectLst/>
+            </a:endParaRPr>
+          </a:p>
+          <a:p>
+            <a:pPr marL="285750" marR="0" lvl="0" indent="-285750" algn="l" defTabSz="914400" rtl="0" eaLnBrk="0" fontAlgn="base" latinLnBrk="0" hangingPunct="0">
+              <a:lnSpc>
+                <a:spcPct val="150000"/>
+              </a:lnSpc>
+              <a:spcBef>
+                <a:spcPct val="0"/>
+              </a:spcBef>
+              <a:spcAft>
+                <a:spcPct val="0"/>
+              </a:spcAft>
+              <a:buClrTx/>
+              <a:buSzTx/>
+              <a:buFont typeface="Arial" panose="020B0604020202020204" pitchFamily="34" charset="0"/>
+              <a:buChar char="•"/>
+              <a:tabLst/>
+            </a:pPr>
+            <a:r>
+              <a:rPr kumimoji="0" lang="en-US" altLang="en-US" sz="1800" b="0" i="0" u="none" strike="noStrike" cap="none" normalizeH="0" baseline="0" dirty="0">
+                <a:ln>
+                  <a:noFill/>
+                </a:ln>
+                <a:solidFill>
+                  <a:schemeClr val="tx1"/>
+                </a:solidFill>
+                <a:effectLst/>
+              </a:rPr>
+              <a:t>With high accuracy and usability, the project showcases the transformative potential of technology in agriculture, promoting sustainability and efficiency. </a:t>
+            </a:r>
           </a:p>
         </p:txBody>
       </p:sp>
     </p:spTree>
     <p:extLst>
       <p:ext uri="{BB962C8B-B14F-4D97-AF65-F5344CB8AC3E}">
-        <p14:creationId xmlns:p14="http://schemas.microsoft.com/office/powerpoint/2010/main" xmlns="" val="3659674305"/>
+        <p14:creationId xmlns:p14="http://schemas.microsoft.com/office/powerpoint/2010/main" val="3659674305"/>
       </p:ext>
     </p:extLst>
   </p:cSld>
   <p:clrMapOvr>
     <a:masterClrMapping/>
   </p:clrMapOvr>
-  <p:timing>
-    <p:tnLst>
-      <p:par>
-        <p:cTn id="1" dur="indefinite" restart="never" nodeType="tmRoot"/>
-      </p:par>
-    </p:tnLst>
-  </p:timing>
 </p:sld>
 </file>
 
